--- a/testppt3.pptx
+++ b/testppt3.pptx
@@ -7,6 +7,7 @@
   <p:sldIdLst>
     <p:sldId id="256" r:id="rId7"/>
     <p:sldId id="257" r:id="rId8"/>
+    <p:sldId id="258" r:id="rId9"/>
   </p:sldIdLst>
   <p:sldSz cx="9144000" cy="6858000" type="screen4x3"/>
   <p:notesSz cx="6858000" cy="9144000"/>
@@ -3188,7 +3189,115 @@
           <a:p>
             <a:pPr lvl="1"/>
             <a:r>
-              <a:t>i need a car . </a:t>
+              <a:t>protest . </a:t>
+            </a:r>
+          </a:p>
+        </p:txBody>
+      </p:sp>
+    </p:spTree>
+  </p:cSld>
+  <p:clrMapOvr>
+    <a:masterClrMapping/>
+  </p:clrMapOvr>
+</p:sld>
+</file>
+
+<file path=ppt/slides/slide3.xml><?xml version="1.0" encoding="utf-8"?>
+<p:sld xmlns:a="http://schemas.openxmlformats.org/drawingml/2006/main" xmlns:p="http://schemas.openxmlformats.org/presentationml/2006/main" xmlns:r="http://schemas.openxmlformats.org/officeDocument/2006/relationships">
+  <p:cSld>
+    <p:bg>
+      <p:bgPr>
+        <a:gradFill rotWithShape="1">
+          <a:gsLst>
+            <a:gs pos="0">
+              <a:schemeClr val="lt1">
+                <a:tint val="100000"/>
+                <a:shade val="100000"/>
+                <a:satMod val="130000"/>
+              </a:schemeClr>
+            </a:gs>
+            <a:gs pos="100000">
+              <a:schemeClr val="accent1">
+                <a:tint val="50000"/>
+                <a:shade val="100000"/>
+                <a:satMod val="350000"/>
+              </a:schemeClr>
+            </a:gs>
+          </a:gsLst>
+          <a:lin scaled="0" ang="19200000"/>
+        </a:gradFill>
+        <a:effectLst/>
+      </p:bgPr>
+    </p:bg>
+    <p:spTree>
+      <p:nvGrpSpPr>
+        <p:cNvPr id="1" name=""/>
+        <p:cNvGrpSpPr/>
+        <p:nvPr/>
+      </p:nvGrpSpPr>
+      <p:grpSpPr/>
+      <p:sp>
+        <p:nvSpPr>
+          <p:cNvPr id="2" name="Title 1"/>
+          <p:cNvSpPr>
+            <a:spLocks noGrp="1"/>
+          </p:cNvSpPr>
+          <p:nvPr>
+            <p:ph type="title"/>
+          </p:nvPr>
+        </p:nvSpPr>
+        <p:spPr/>
+        <p:txBody>
+          <a:bodyPr/>
+          <a:lstStyle/>
+          <a:p>
+            <a:r>
+              <a:t>Keywords</a:t>
+            </a:r>
+          </a:p>
+        </p:txBody>
+      </p:sp>
+      <p:sp>
+        <p:nvSpPr>
+          <p:cNvPr id="3" name="Content Placeholder 2"/>
+          <p:cNvSpPr>
+            <a:spLocks noGrp="1"/>
+          </p:cNvSpPr>
+          <p:nvPr>
+            <p:ph idx="1"/>
+          </p:nvPr>
+        </p:nvSpPr>
+        <p:spPr/>
+        <p:txBody>
+          <a:bodyPr/>
+          <a:lstStyle/>
+          <a:p>
+            <a:r>
+              <a:rPr>
+                <a:hlinkClick r:id="rId2"/>
+              </a:rPr>
+              <a:t>microcontroller
+</a:t>
+            </a:r>
+            <a:r>
+              <a:rPr>
+                <a:hlinkClick r:id="rId2"/>
+              </a:rPr>
+              <a:t>image
+</a:t>
+            </a:r>
+            <a:r>
+              <a:rPr>
+                <a:hlinkClick r:id="rId2"/>
+              </a:rPr>
+              <a:t>cow
+</a:t>
+            </a:r>
+            <a:r>
+              <a:rPr>
+                <a:hlinkClick r:id="rId2"/>
+              </a:rPr>
+              <a:t>boom</a:t>
             </a:r>
           </a:p>
         </p:txBody>

--- a/testppt3.pptx
+++ b/testppt3.pptx
@@ -8,6 +8,7 @@
     <p:sldId id="256" r:id="rId7"/>
     <p:sldId id="257" r:id="rId8"/>
     <p:sldId id="258" r:id="rId9"/>
+    <p:sldId id="259" r:id="rId10"/>
   </p:sldIdLst>
   <p:sldSz cx="9144000" cy="6858000" type="screen4x3"/>
   <p:notesSz cx="6858000" cy="9144000"/>
@@ -3203,6 +3204,114 @@
 </file>
 
 <file path=ppt/slides/slide3.xml><?xml version="1.0" encoding="utf-8"?>
+<p:sld xmlns:a="http://schemas.openxmlformats.org/drawingml/2006/main" xmlns:p="http://schemas.openxmlformats.org/presentationml/2006/main" xmlns:r="http://schemas.openxmlformats.org/officeDocument/2006/relationships">
+  <p:cSld>
+    <p:bg>
+      <p:bgPr>
+        <a:gradFill rotWithShape="1">
+          <a:gsLst>
+            <a:gs pos="0">
+              <a:schemeClr val="lt1">
+                <a:tint val="100000"/>
+                <a:shade val="100000"/>
+                <a:satMod val="130000"/>
+              </a:schemeClr>
+            </a:gs>
+            <a:gs pos="100000">
+              <a:schemeClr val="accent1">
+                <a:tint val="50000"/>
+                <a:shade val="100000"/>
+                <a:satMod val="350000"/>
+              </a:schemeClr>
+            </a:gs>
+          </a:gsLst>
+          <a:lin scaled="0" ang="19200000"/>
+        </a:gradFill>
+        <a:effectLst/>
+      </p:bgPr>
+    </p:bg>
+    <p:spTree>
+      <p:nvGrpSpPr>
+        <p:cNvPr id="1" name=""/>
+        <p:cNvGrpSpPr/>
+        <p:nvPr/>
+      </p:nvGrpSpPr>
+      <p:grpSpPr/>
+      <p:sp>
+        <p:nvSpPr>
+          <p:cNvPr id="2" name="Title 1"/>
+          <p:cNvSpPr>
+            <a:spLocks noGrp="1"/>
+          </p:cNvSpPr>
+          <p:nvPr>
+            <p:ph type="title"/>
+          </p:nvPr>
+        </p:nvSpPr>
+        <p:spPr/>
+        <p:txBody>
+          <a:bodyPr/>
+          <a:lstStyle/>
+          <a:p>
+            <a:r>
+              <a:t>Keywords</a:t>
+            </a:r>
+          </a:p>
+        </p:txBody>
+      </p:sp>
+      <p:sp>
+        <p:nvSpPr>
+          <p:cNvPr id="3" name="Content Placeholder 2"/>
+          <p:cNvSpPr>
+            <a:spLocks noGrp="1"/>
+          </p:cNvSpPr>
+          <p:nvPr>
+            <p:ph idx="1"/>
+          </p:nvPr>
+        </p:nvSpPr>
+        <p:spPr/>
+        <p:txBody>
+          <a:bodyPr/>
+          <a:lstStyle/>
+          <a:p>
+            <a:r>
+              <a:rPr>
+                <a:hlinkClick r:id="rId2"/>
+              </a:rPr>
+              <a:t>microcontroller
+</a:t>
+            </a:r>
+            <a:r>
+              <a:rPr>
+                <a:hlinkClick r:id="rId2"/>
+              </a:rPr>
+              <a:t>image
+</a:t>
+            </a:r>
+            <a:r>
+              <a:rPr>
+                <a:hlinkClick r:id="rId2"/>
+              </a:rPr>
+              <a:t>cow
+</a:t>
+            </a:r>
+            <a:r>
+              <a:rPr>
+                <a:hlinkClick r:id="rId2"/>
+              </a:rPr>
+              <a:t>boom</a:t>
+            </a:r>
+          </a:p>
+        </p:txBody>
+      </p:sp>
+    </p:spTree>
+  </p:cSld>
+  <p:clrMapOvr>
+    <a:masterClrMapping/>
+  </p:clrMapOvr>
+</p:sld>
+</file>
+
+<file path=ppt/slides/slide4.xml><?xml version="1.0" encoding="utf-8"?>
 <p:sld xmlns:a="http://schemas.openxmlformats.org/drawingml/2006/main" xmlns:p="http://schemas.openxmlformats.org/presentationml/2006/main" xmlns:r="http://schemas.openxmlformats.org/officeDocument/2006/relationships">
   <p:cSld>
     <p:bg>

--- a/testppt3.pptx
+++ b/testppt3.pptx
@@ -5,10 +5,27 @@
     <p:sldMasterId id="2147483648" r:id="rId1"/>
   </p:sldMasterIdLst>
   <p:sldIdLst>
-    <p:sldId id="256" r:id="rId7"/>
-    <p:sldId id="257" r:id="rId8"/>
-    <p:sldId id="258" r:id="rId9"/>
-    <p:sldId id="259" r:id="rId10"/>
+    <p:sldId id="256" r:id="rId2"/>
+    <p:sldId id="257" r:id="rId3"/>
+    <p:sldId id="258" r:id="rId4"/>
+    <p:sldId id="259" r:id="rId5"/>
+    <p:sldId id="260" r:id="rId6"/>
+    <p:sldId id="261" r:id="rId7"/>
+    <p:sldId id="264" r:id="rId8"/>
+    <p:sldId id="267" r:id="rId9"/>
+    <p:sldId id="268" r:id="rId10"/>
+    <p:sldId id="271" r:id="rId11"/>
+    <p:sldId id="275" r:id="rId12"/>
+    <p:sldId id="276" r:id="rId13"/>
+    <p:sldId id="278" r:id="rId14"/>
+    <p:sldId id="279" r:id="rId15"/>
+    <p:sldId id="280" r:id="rId16"/>
+    <p:sldId id="281" r:id="rId17"/>
+    <p:sldId id="282" r:id="rId22"/>
+    <p:sldId id="283" r:id="rId23"/>
+    <p:sldId id="284" r:id="rId24"/>
+    <p:sldId id="285" r:id="rId25"/>
+    <p:sldId id="286" r:id="rId26"/>
   </p:sldIdLst>
   <p:sldSz cx="9144000" cy="6858000" type="screen4x3"/>
   <p:notesSz cx="6858000" cy="9144000"/>
@@ -107,6 +124,22 @@
       </a:defRPr>
     </a:lvl9pPr>
   </p:defaultTextStyle>
+  <p:extLst>
+    <p:ext uri="{EFAFB233-063F-42B5-8137-9DF3F51BA10A}">
+      <p15:sldGuideLst xmlns:p15="http://schemas.microsoft.com/office/powerpoint/2012/main" xmlns="">
+        <p15:guide id="1" orient="horz" pos="2160">
+          <p15:clr>
+            <a:srgbClr val="A4A3A4"/>
+          </p15:clr>
+        </p15:guide>
+        <p15:guide id="2" pos="2880">
+          <p15:clr>
+            <a:srgbClr val="A4A3A4"/>
+          </p15:clr>
+        </p15:guide>
+      </p15:sldGuideLst>
+    </p:ext>
+  </p:extLst>
 </p:presentation>
 </file>
 
@@ -148,10 +181,9 @@
           <a:lstStyle/>
           <a:p>
             <a:r>
-              <a:rPr lang="en-US" smtClean="0"/>
+              <a:rPr lang="en-US"/>
               <a:t>Click to edit Master title style</a:t>
             </a:r>
-            <a:endParaRPr lang="en-US"/>
           </a:p>
         </p:txBody>
       </p:sp>
@@ -267,10 +299,9 @@
           </a:lstStyle>
           <a:p>
             <a:r>
-              <a:rPr lang="en-US" smtClean="0"/>
+              <a:rPr lang="en-US"/>
               <a:t>Click to edit Master subtitle style</a:t>
             </a:r>
-            <a:endParaRPr lang="en-US"/>
           </a:p>
         </p:txBody>
       </p:sp>
@@ -291,7 +322,7 @@
           <a:p>
             <a:fld id="{5BCAD085-E8A6-8845-BD4E-CB4CCA059FC4}" type="datetimeFigureOut">
               <a:rPr lang="en-US" smtClean="0"/>
-              <a:t>1/27/13</a:t>
+              <a:t>9/22/2019</a:t>
             </a:fld>
             <a:endParaRPr lang="en-US"/>
           </a:p>
@@ -385,10 +416,9 @@
           <a:lstStyle/>
           <a:p>
             <a:r>
-              <a:rPr lang="en-US" smtClean="0"/>
+              <a:rPr lang="en-US"/>
               <a:t>Click to edit Master title style</a:t>
             </a:r>
-            <a:endParaRPr lang="en-US"/>
           </a:p>
         </p:txBody>
       </p:sp>
@@ -409,38 +439,37 @@
           <a:p>
             <a:pPr lvl="0"/>
             <a:r>
-              <a:rPr lang="en-US" smtClean="0"/>
+              <a:rPr lang="en-US"/>
               <a:t>Click to edit Master text styles</a:t>
             </a:r>
           </a:p>
           <a:p>
             <a:pPr lvl="1"/>
             <a:r>
-              <a:rPr lang="en-US" smtClean="0"/>
+              <a:rPr lang="en-US"/>
               <a:t>Second level</a:t>
             </a:r>
           </a:p>
           <a:p>
             <a:pPr lvl="2"/>
             <a:r>
-              <a:rPr lang="en-US" smtClean="0"/>
+              <a:rPr lang="en-US"/>
               <a:t>Third level</a:t>
             </a:r>
           </a:p>
           <a:p>
             <a:pPr lvl="3"/>
             <a:r>
-              <a:rPr lang="en-US" smtClean="0"/>
+              <a:rPr lang="en-US"/>
               <a:t>Fourth level</a:t>
             </a:r>
           </a:p>
           <a:p>
             <a:pPr lvl="4"/>
             <a:r>
-              <a:rPr lang="en-US" smtClean="0"/>
+              <a:rPr lang="en-US"/>
               <a:t>Fifth level</a:t>
             </a:r>
-            <a:endParaRPr lang="en-US"/>
           </a:p>
         </p:txBody>
       </p:sp>
@@ -461,7 +490,7 @@
           <a:p>
             <a:fld id="{5BCAD085-E8A6-8845-BD4E-CB4CCA059FC4}" type="datetimeFigureOut">
               <a:rPr lang="en-US" smtClean="0"/>
-              <a:t>1/27/13</a:t>
+              <a:t>9/22/2019</a:t>
             </a:fld>
             <a:endParaRPr lang="en-US"/>
           </a:p>
@@ -560,10 +589,9 @@
           <a:lstStyle/>
           <a:p>
             <a:r>
-              <a:rPr lang="en-US" smtClean="0"/>
+              <a:rPr lang="en-US"/>
               <a:t>Click to edit Master title style</a:t>
             </a:r>
-            <a:endParaRPr lang="en-US"/>
           </a:p>
         </p:txBody>
       </p:sp>
@@ -589,38 +617,37 @@
           <a:p>
             <a:pPr lvl="0"/>
             <a:r>
-              <a:rPr lang="en-US" smtClean="0"/>
+              <a:rPr lang="en-US"/>
               <a:t>Click to edit Master text styles</a:t>
             </a:r>
           </a:p>
           <a:p>
             <a:pPr lvl="1"/>
             <a:r>
-              <a:rPr lang="en-US" smtClean="0"/>
+              <a:rPr lang="en-US"/>
               <a:t>Second level</a:t>
             </a:r>
           </a:p>
           <a:p>
             <a:pPr lvl="2"/>
             <a:r>
-              <a:rPr lang="en-US" smtClean="0"/>
+              <a:rPr lang="en-US"/>
               <a:t>Third level</a:t>
             </a:r>
           </a:p>
           <a:p>
             <a:pPr lvl="3"/>
             <a:r>
-              <a:rPr lang="en-US" smtClean="0"/>
+              <a:rPr lang="en-US"/>
               <a:t>Fourth level</a:t>
             </a:r>
           </a:p>
           <a:p>
             <a:pPr lvl="4"/>
             <a:r>
-              <a:rPr lang="en-US" smtClean="0"/>
+              <a:rPr lang="en-US"/>
               <a:t>Fifth level</a:t>
             </a:r>
-            <a:endParaRPr lang="en-US"/>
           </a:p>
         </p:txBody>
       </p:sp>
@@ -641,7 +668,7 @@
           <a:p>
             <a:fld id="{5BCAD085-E8A6-8845-BD4E-CB4CCA059FC4}" type="datetimeFigureOut">
               <a:rPr lang="en-US" smtClean="0"/>
-              <a:t>1/27/13</a:t>
+              <a:t>9/22/2019</a:t>
             </a:fld>
             <a:endParaRPr lang="en-US"/>
           </a:p>
@@ -735,10 +762,9 @@
           <a:lstStyle/>
           <a:p>
             <a:r>
-              <a:rPr lang="en-US" smtClean="0"/>
+              <a:rPr lang="en-US"/>
               <a:t>Click to edit Master title style</a:t>
             </a:r>
-            <a:endParaRPr lang="en-US"/>
           </a:p>
         </p:txBody>
       </p:sp>
@@ -759,38 +785,37 @@
           <a:p>
             <a:pPr lvl="0"/>
             <a:r>
-              <a:rPr lang="en-US" smtClean="0"/>
+              <a:rPr lang="en-US"/>
               <a:t>Click to edit Master text styles</a:t>
             </a:r>
           </a:p>
           <a:p>
             <a:pPr lvl="1"/>
             <a:r>
-              <a:rPr lang="en-US" smtClean="0"/>
+              <a:rPr lang="en-US"/>
               <a:t>Second level</a:t>
             </a:r>
           </a:p>
           <a:p>
             <a:pPr lvl="2"/>
             <a:r>
-              <a:rPr lang="en-US" smtClean="0"/>
+              <a:rPr lang="en-US"/>
               <a:t>Third level</a:t>
             </a:r>
           </a:p>
           <a:p>
             <a:pPr lvl="3"/>
             <a:r>
-              <a:rPr lang="en-US" smtClean="0"/>
+              <a:rPr lang="en-US"/>
               <a:t>Fourth level</a:t>
             </a:r>
           </a:p>
           <a:p>
             <a:pPr lvl="4"/>
             <a:r>
-              <a:rPr lang="en-US" smtClean="0"/>
+              <a:rPr lang="en-US"/>
               <a:t>Fifth level</a:t>
             </a:r>
-            <a:endParaRPr lang="en-US"/>
           </a:p>
         </p:txBody>
       </p:sp>
@@ -811,7 +836,7 @@
           <a:p>
             <a:fld id="{5BCAD085-E8A6-8845-BD4E-CB4CCA059FC4}" type="datetimeFigureOut">
               <a:rPr lang="en-US" smtClean="0"/>
-              <a:t>1/27/13</a:t>
+              <a:t>9/22/2019</a:t>
             </a:fld>
             <a:endParaRPr lang="en-US"/>
           </a:p>
@@ -914,10 +939,9 @@
           </a:lstStyle>
           <a:p>
             <a:r>
-              <a:rPr lang="en-US" smtClean="0"/>
+              <a:rPr lang="en-US"/>
               <a:t>Click to edit Master title style</a:t>
             </a:r>
-            <a:endParaRPr lang="en-US"/>
           </a:p>
         </p:txBody>
       </p:sp>
@@ -1034,7 +1058,7 @@
           <a:p>
             <a:pPr lvl="0"/>
             <a:r>
-              <a:rPr lang="en-US" smtClean="0"/>
+              <a:rPr lang="en-US"/>
               <a:t>Click to edit Master text styles</a:t>
             </a:r>
           </a:p>
@@ -1057,7 +1081,7 @@
           <a:p>
             <a:fld id="{5BCAD085-E8A6-8845-BD4E-CB4CCA059FC4}" type="datetimeFigureOut">
               <a:rPr lang="en-US" smtClean="0"/>
-              <a:t>1/27/13</a:t>
+              <a:t>9/22/2019</a:t>
             </a:fld>
             <a:endParaRPr lang="en-US"/>
           </a:p>
@@ -1151,10 +1175,9 @@
           <a:lstStyle/>
           <a:p>
             <a:r>
-              <a:rPr lang="en-US" smtClean="0"/>
+              <a:rPr lang="en-US"/>
               <a:t>Click to edit Master title style</a:t>
             </a:r>
-            <a:endParaRPr lang="en-US"/>
           </a:p>
         </p:txBody>
       </p:sp>
@@ -1208,38 +1231,37 @@
           <a:p>
             <a:pPr lvl="0"/>
             <a:r>
-              <a:rPr lang="en-US" smtClean="0"/>
+              <a:rPr lang="en-US"/>
               <a:t>Click to edit Master text styles</a:t>
             </a:r>
           </a:p>
           <a:p>
             <a:pPr lvl="1"/>
             <a:r>
-              <a:rPr lang="en-US" smtClean="0"/>
+              <a:rPr lang="en-US"/>
               <a:t>Second level</a:t>
             </a:r>
           </a:p>
           <a:p>
             <a:pPr lvl="2"/>
             <a:r>
-              <a:rPr lang="en-US" smtClean="0"/>
+              <a:rPr lang="en-US"/>
               <a:t>Third level</a:t>
             </a:r>
           </a:p>
           <a:p>
             <a:pPr lvl="3"/>
             <a:r>
-              <a:rPr lang="en-US" smtClean="0"/>
+              <a:rPr lang="en-US"/>
               <a:t>Fourth level</a:t>
             </a:r>
           </a:p>
           <a:p>
             <a:pPr lvl="4"/>
             <a:r>
-              <a:rPr lang="en-US" smtClean="0"/>
+              <a:rPr lang="en-US"/>
               <a:t>Fifth level</a:t>
             </a:r>
-            <a:endParaRPr lang="en-US"/>
           </a:p>
         </p:txBody>
       </p:sp>
@@ -1293,38 +1315,37 @@
           <a:p>
             <a:pPr lvl="0"/>
             <a:r>
-              <a:rPr lang="en-US" smtClean="0"/>
+              <a:rPr lang="en-US"/>
               <a:t>Click to edit Master text styles</a:t>
             </a:r>
           </a:p>
           <a:p>
             <a:pPr lvl="1"/>
             <a:r>
-              <a:rPr lang="en-US" smtClean="0"/>
+              <a:rPr lang="en-US"/>
               <a:t>Second level</a:t>
             </a:r>
           </a:p>
           <a:p>
             <a:pPr lvl="2"/>
             <a:r>
-              <a:rPr lang="en-US" smtClean="0"/>
+              <a:rPr lang="en-US"/>
               <a:t>Third level</a:t>
             </a:r>
           </a:p>
           <a:p>
             <a:pPr lvl="3"/>
             <a:r>
-              <a:rPr lang="en-US" smtClean="0"/>
+              <a:rPr lang="en-US"/>
               <a:t>Fourth level</a:t>
             </a:r>
           </a:p>
           <a:p>
             <a:pPr lvl="4"/>
             <a:r>
-              <a:rPr lang="en-US" smtClean="0"/>
+              <a:rPr lang="en-US"/>
               <a:t>Fifth level</a:t>
             </a:r>
-            <a:endParaRPr lang="en-US"/>
           </a:p>
         </p:txBody>
       </p:sp>
@@ -1345,7 +1366,7 @@
           <a:p>
             <a:fld id="{5BCAD085-E8A6-8845-BD4E-CB4CCA059FC4}" type="datetimeFigureOut">
               <a:rPr lang="en-US" smtClean="0"/>
-              <a:t>1/27/13</a:t>
+              <a:t>9/22/2019</a:t>
             </a:fld>
             <a:endParaRPr lang="en-US"/>
           </a:p>
@@ -1443,10 +1464,9 @@
           </a:lstStyle>
           <a:p>
             <a:r>
-              <a:rPr lang="en-US" smtClean="0"/>
+              <a:rPr lang="en-US"/>
               <a:t>Click to edit Master title style</a:t>
             </a:r>
-            <a:endParaRPr lang="en-US"/>
           </a:p>
         </p:txBody>
       </p:sp>
@@ -1509,7 +1529,7 @@
           <a:p>
             <a:pPr lvl="0"/>
             <a:r>
-              <a:rPr lang="en-US" smtClean="0"/>
+              <a:rPr lang="en-US"/>
               <a:t>Click to edit Master text styles</a:t>
             </a:r>
           </a:p>
@@ -1565,38 +1585,37 @@
           <a:p>
             <a:pPr lvl="0"/>
             <a:r>
-              <a:rPr lang="en-US" smtClean="0"/>
+              <a:rPr lang="en-US"/>
               <a:t>Click to edit Master text styles</a:t>
             </a:r>
           </a:p>
           <a:p>
             <a:pPr lvl="1"/>
             <a:r>
-              <a:rPr lang="en-US" smtClean="0"/>
+              <a:rPr lang="en-US"/>
               <a:t>Second level</a:t>
             </a:r>
           </a:p>
           <a:p>
             <a:pPr lvl="2"/>
             <a:r>
-              <a:rPr lang="en-US" smtClean="0"/>
+              <a:rPr lang="en-US"/>
               <a:t>Third level</a:t>
             </a:r>
           </a:p>
           <a:p>
             <a:pPr lvl="3"/>
             <a:r>
-              <a:rPr lang="en-US" smtClean="0"/>
+              <a:rPr lang="en-US"/>
               <a:t>Fourth level</a:t>
             </a:r>
           </a:p>
           <a:p>
             <a:pPr lvl="4"/>
             <a:r>
-              <a:rPr lang="en-US" smtClean="0"/>
+              <a:rPr lang="en-US"/>
               <a:t>Fifth level</a:t>
             </a:r>
-            <a:endParaRPr lang="en-US"/>
           </a:p>
         </p:txBody>
       </p:sp>
@@ -1659,7 +1678,7 @@
           <a:p>
             <a:pPr lvl="0"/>
             <a:r>
-              <a:rPr lang="en-US" smtClean="0"/>
+              <a:rPr lang="en-US"/>
               <a:t>Click to edit Master text styles</a:t>
             </a:r>
           </a:p>
@@ -1715,38 +1734,37 @@
           <a:p>
             <a:pPr lvl="0"/>
             <a:r>
-              <a:rPr lang="en-US" smtClean="0"/>
+              <a:rPr lang="en-US"/>
               <a:t>Click to edit Master text styles</a:t>
             </a:r>
           </a:p>
           <a:p>
             <a:pPr lvl="1"/>
             <a:r>
-              <a:rPr lang="en-US" smtClean="0"/>
+              <a:rPr lang="en-US"/>
               <a:t>Second level</a:t>
             </a:r>
           </a:p>
           <a:p>
             <a:pPr lvl="2"/>
             <a:r>
-              <a:rPr lang="en-US" smtClean="0"/>
+              <a:rPr lang="en-US"/>
               <a:t>Third level</a:t>
             </a:r>
           </a:p>
           <a:p>
             <a:pPr lvl="3"/>
             <a:r>
-              <a:rPr lang="en-US" smtClean="0"/>
+              <a:rPr lang="en-US"/>
               <a:t>Fourth level</a:t>
             </a:r>
           </a:p>
           <a:p>
             <a:pPr lvl="4"/>
             <a:r>
-              <a:rPr lang="en-US" smtClean="0"/>
+              <a:rPr lang="en-US"/>
               <a:t>Fifth level</a:t>
             </a:r>
-            <a:endParaRPr lang="en-US"/>
           </a:p>
         </p:txBody>
       </p:sp>
@@ -1767,7 +1785,7 @@
           <a:p>
             <a:fld id="{5BCAD085-E8A6-8845-BD4E-CB4CCA059FC4}" type="datetimeFigureOut">
               <a:rPr lang="en-US" smtClean="0"/>
-              <a:t>1/27/13</a:t>
+              <a:t>9/22/2019</a:t>
             </a:fld>
             <a:endParaRPr lang="en-US"/>
           </a:p>
@@ -1861,10 +1879,9 @@
           <a:lstStyle/>
           <a:p>
             <a:r>
-              <a:rPr lang="en-US" smtClean="0"/>
+              <a:rPr lang="en-US"/>
               <a:t>Click to edit Master title style</a:t>
             </a:r>
-            <a:endParaRPr lang="en-US"/>
           </a:p>
         </p:txBody>
       </p:sp>
@@ -1885,7 +1902,7 @@
           <a:p>
             <a:fld id="{5BCAD085-E8A6-8845-BD4E-CB4CCA059FC4}" type="datetimeFigureOut">
               <a:rPr lang="en-US" smtClean="0"/>
-              <a:t>1/27/13</a:t>
+              <a:t>9/22/2019</a:t>
             </a:fld>
             <a:endParaRPr lang="en-US"/>
           </a:p>
@@ -1980,7 +1997,7 @@
           <a:p>
             <a:fld id="{5BCAD085-E8A6-8845-BD4E-CB4CCA059FC4}" type="datetimeFigureOut">
               <a:rPr lang="en-US" smtClean="0"/>
-              <a:t>1/27/13</a:t>
+              <a:t>9/22/2019</a:t>
             </a:fld>
             <a:endParaRPr lang="en-US"/>
           </a:p>
@@ -2083,10 +2100,9 @@
           </a:lstStyle>
           <a:p>
             <a:r>
-              <a:rPr lang="en-US" smtClean="0"/>
+              <a:rPr lang="en-US"/>
               <a:t>Click to edit Master title style</a:t>
             </a:r>
-            <a:endParaRPr lang="en-US"/>
           </a:p>
         </p:txBody>
       </p:sp>
@@ -2140,38 +2156,37 @@
           <a:p>
             <a:pPr lvl="0"/>
             <a:r>
-              <a:rPr lang="en-US" smtClean="0"/>
+              <a:rPr lang="en-US"/>
               <a:t>Click to edit Master text styles</a:t>
             </a:r>
           </a:p>
           <a:p>
             <a:pPr lvl="1"/>
             <a:r>
-              <a:rPr lang="en-US" smtClean="0"/>
+              <a:rPr lang="en-US"/>
               <a:t>Second level</a:t>
             </a:r>
           </a:p>
           <a:p>
             <a:pPr lvl="2"/>
             <a:r>
-              <a:rPr lang="en-US" smtClean="0"/>
+              <a:rPr lang="en-US"/>
               <a:t>Third level</a:t>
             </a:r>
           </a:p>
           <a:p>
             <a:pPr lvl="3"/>
             <a:r>
-              <a:rPr lang="en-US" smtClean="0"/>
+              <a:rPr lang="en-US"/>
               <a:t>Fourth level</a:t>
             </a:r>
           </a:p>
           <a:p>
             <a:pPr lvl="4"/>
             <a:r>
-              <a:rPr lang="en-US" smtClean="0"/>
+              <a:rPr lang="en-US"/>
               <a:t>Fifth level</a:t>
             </a:r>
-            <a:endParaRPr lang="en-US"/>
           </a:p>
         </p:txBody>
       </p:sp>
@@ -2234,7 +2249,7 @@
           <a:p>
             <a:pPr lvl="0"/>
             <a:r>
-              <a:rPr lang="en-US" smtClean="0"/>
+              <a:rPr lang="en-US"/>
               <a:t>Click to edit Master text styles</a:t>
             </a:r>
           </a:p>
@@ -2257,7 +2272,7 @@
           <a:p>
             <a:fld id="{5BCAD085-E8A6-8845-BD4E-CB4CCA059FC4}" type="datetimeFigureOut">
               <a:rPr lang="en-US" smtClean="0"/>
-              <a:t>1/27/13</a:t>
+              <a:t>9/22/2019</a:t>
             </a:fld>
             <a:endParaRPr lang="en-US"/>
           </a:p>
@@ -2360,10 +2375,9 @@
           </a:lstStyle>
           <a:p>
             <a:r>
-              <a:rPr lang="en-US" smtClean="0"/>
+              <a:rPr lang="en-US"/>
               <a:t>Click to edit Master title style</a:t>
             </a:r>
-            <a:endParaRPr lang="en-US"/>
           </a:p>
         </p:txBody>
       </p:sp>
@@ -2487,7 +2501,7 @@
           <a:p>
             <a:pPr lvl="0"/>
             <a:r>
-              <a:rPr lang="en-US" smtClean="0"/>
+              <a:rPr lang="en-US"/>
               <a:t>Click to edit Master text styles</a:t>
             </a:r>
           </a:p>
@@ -2510,7 +2524,7 @@
           <a:p>
             <a:fld id="{5BCAD085-E8A6-8845-BD4E-CB4CCA059FC4}" type="datetimeFigureOut">
               <a:rPr lang="en-US" smtClean="0"/>
-              <a:t>1/27/13</a:t>
+              <a:t>9/22/2019</a:t>
             </a:fld>
             <a:endParaRPr lang="en-US"/>
           </a:p>
@@ -2619,10 +2633,9 @@
           <a:lstStyle/>
           <a:p>
             <a:r>
-              <a:rPr lang="en-US" smtClean="0"/>
+              <a:rPr lang="en-US"/>
               <a:t>Click to edit Master title style</a:t>
             </a:r>
-            <a:endParaRPr lang="en-US"/>
           </a:p>
         </p:txBody>
       </p:sp>
@@ -2653,38 +2666,37 @@
           <a:p>
             <a:pPr lvl="0"/>
             <a:r>
-              <a:rPr lang="en-US" smtClean="0"/>
+              <a:rPr lang="en-US"/>
               <a:t>Click to edit Master text styles</a:t>
             </a:r>
           </a:p>
           <a:p>
             <a:pPr lvl="1"/>
             <a:r>
-              <a:rPr lang="en-US" smtClean="0"/>
+              <a:rPr lang="en-US"/>
               <a:t>Second level</a:t>
             </a:r>
           </a:p>
           <a:p>
             <a:pPr lvl="2"/>
             <a:r>
-              <a:rPr lang="en-US" smtClean="0"/>
+              <a:rPr lang="en-US"/>
               <a:t>Third level</a:t>
             </a:r>
           </a:p>
           <a:p>
             <a:pPr lvl="3"/>
             <a:r>
-              <a:rPr lang="en-US" smtClean="0"/>
+              <a:rPr lang="en-US"/>
               <a:t>Fourth level</a:t>
             </a:r>
           </a:p>
           <a:p>
             <a:pPr lvl="4"/>
             <a:r>
-              <a:rPr lang="en-US" smtClean="0"/>
+              <a:rPr lang="en-US"/>
               <a:t>Fifth level</a:t>
             </a:r>
-            <a:endParaRPr lang="en-US"/>
           </a:p>
         </p:txBody>
       </p:sp>
@@ -2723,7 +2735,7 @@
           <a:p>
             <a:fld id="{5BCAD085-E8A6-8845-BD4E-CB4CCA059FC4}" type="datetimeFigureOut">
               <a:rPr lang="en-US" smtClean="0"/>
-              <a:t>1/27/13</a:t>
+              <a:t>9/22/2019</a:t>
             </a:fld>
             <a:endParaRPr lang="en-US"/>
           </a:p>
@@ -3082,7 +3094,7 @@
 </file>
 
 <file path=ppt/slides/slide1.xml><?xml version="1.0" encoding="utf-8"?>
-<p:sld xmlns:a="http://schemas.openxmlformats.org/drawingml/2006/main" xmlns:p="http://schemas.openxmlformats.org/presentationml/2006/main" xmlns:r="http://schemas.openxmlformats.org/officeDocument/2006/relationships">
+<p:sld xmlns:a="http://schemas.openxmlformats.org/drawingml/2006/main" xmlns:r="http://schemas.openxmlformats.org/officeDocument/2006/relationships" xmlns:p="http://schemas.openxmlformats.org/presentationml/2006/main">
   <p:cSld>
     <p:spTree>
       <p:nvGrpSpPr>
@@ -3090,7 +3102,14 @@
         <p:cNvGrpSpPr/>
         <p:nvPr/>
       </p:nvGrpSpPr>
-      <p:grpSpPr/>
+      <p:grpSpPr>
+        <a:xfrm>
+          <a:off x="0" y="0"/>
+          <a:ext cx="0" cy="0"/>
+          <a:chOff x="0" y="0"/>
+          <a:chExt cx="0" cy="0"/>
+        </a:xfrm>
+      </p:grpSpPr>
       <p:sp>
         <p:nvSpPr>
           <p:cNvPr id="2" name="Title 1"/>
@@ -3101,14 +3120,21 @@
             <p:ph type="ctrTitle"/>
           </p:nvPr>
         </p:nvSpPr>
-        <p:spPr/>
-        <p:txBody>
-          <a:bodyPr/>
-          <a:lstStyle/>
-          <a:p>
-            <a:r>
-              <a:t>Test</a:t>
-            </a:r>
+        <p:spPr>
+          <a:xfrm>
+            <a:off x="685800" y="1908752"/>
+            <a:ext cx="7772400" cy="1470025"/>
+          </a:xfrm>
+        </p:spPr>
+        <p:txBody>
+          <a:bodyPr/>
+          <a:lstStyle/>
+          <a:p>
+            <a:r>
+              <a:rPr lang="en-IN" dirty="0" err="1" smtClean="0"/>
+              <a:t>SlideEZ</a:t>
+            </a:r>
+            <a:endParaRPr dirty="0"/>
           </a:p>
         </p:txBody>
       </p:sp>
@@ -3128,8 +3154,10 @@
           <a:lstStyle/>
           <a:p>
             <a:r>
-              <a:t>test</a:t>
-            </a:r>
+              <a:rPr lang="en-IN" dirty="0" smtClean="0"/>
+              <a:t>Team Mavericks</a:t>
+            </a:r>
+            <a:endParaRPr dirty="0"/>
           </a:p>
         </p:txBody>
       </p:sp>
@@ -3141,16 +3169,47 @@
 </p:sld>
 </file>
 
-<file path=ppt/slides/slide2.xml><?xml version="1.0" encoding="utf-8"?>
-<p:sld xmlns:a="http://schemas.openxmlformats.org/drawingml/2006/main" xmlns:p="http://schemas.openxmlformats.org/presentationml/2006/main" xmlns:r="http://schemas.openxmlformats.org/officeDocument/2006/relationships">
+<file path=ppt/slides/slide10.xml><?xml version="1.0" encoding="utf-8"?>
+<p:sld xmlns:a="http://schemas.openxmlformats.org/drawingml/2006/main" xmlns:r="http://schemas.openxmlformats.org/officeDocument/2006/relationships" xmlns:p="http://schemas.openxmlformats.org/presentationml/2006/main">
   <p:cSld>
+    <p:bg>
+      <p:bgPr>
+        <a:gradFill rotWithShape="1">
+          <a:gsLst>
+            <a:gs pos="0">
+              <a:schemeClr val="lt1">
+                <a:tint val="100000"/>
+                <a:shade val="100000"/>
+                <a:satMod val="130000"/>
+              </a:schemeClr>
+            </a:gs>
+            <a:gs pos="100000">
+              <a:schemeClr val="accent1">
+                <a:tint val="50000"/>
+                <a:shade val="100000"/>
+                <a:satMod val="350000"/>
+              </a:schemeClr>
+            </a:gs>
+          </a:gsLst>
+          <a:lin ang="19200000" scaled="0"/>
+        </a:gradFill>
+        <a:effectLst/>
+      </p:bgPr>
+    </p:bg>
     <p:spTree>
       <p:nvGrpSpPr>
         <p:cNvPr id="1" name=""/>
         <p:cNvGrpSpPr/>
         <p:nvPr/>
       </p:nvGrpSpPr>
-      <p:grpSpPr/>
+      <p:grpSpPr>
+        <a:xfrm>
+          <a:off x="0" y="0"/>
+          <a:ext cx="0" cy="0"/>
+          <a:chOff x="0" y="0"/>
+          <a:chExt cx="0" cy="0"/>
+        </a:xfrm>
+      </p:grpSpPr>
       <p:sp>
         <p:nvSpPr>
           <p:cNvPr id="2" name="Title 1"/>
@@ -3163,35 +3222,56 @@
         </p:nvSpPr>
         <p:spPr/>
         <p:txBody>
-          <a:bodyPr/>
-          <a:lstStyle/>
-          <a:p>
-            <a:r>
-              <a:t>Sub1</a:t>
-            </a:r>
-          </a:p>
-        </p:txBody>
-      </p:sp>
-      <p:sp>
-        <p:nvSpPr>
-          <p:cNvPr id="3" name="Content Placeholder 2"/>
-          <p:cNvSpPr>
-            <a:spLocks noGrp="1"/>
-          </p:cNvSpPr>
-          <p:nvPr>
-            <p:ph idx="1"/>
-          </p:nvPr>
-        </p:nvSpPr>
-        <p:spPr/>
-        <p:txBody>
-          <a:bodyPr/>
-          <a:lstStyle/>
-          <a:p/>
-          <a:p>
-            <a:pPr lvl="1"/>
-            <a:r>
-              <a:t>protest . </a:t>
-            </a:r>
+          <a:bodyPr>
+            <a:normAutofit fontScale="90000"/>
+          </a:bodyPr>
+          <a:lstStyle/>
+          <a:p>
+            <a:endParaRPr/>
+          </a:p>
+          <a:p>
+            <a:pPr lvl="1" algn="ctr"/>
+            <a:r>
+              <a:t>talk about the 8051 microcontroller show i an image of the controller .</a:t>
+            </a:r>
+          </a:p>
+        </p:txBody>
+      </p:sp>
+      <p:pic>
+        <p:nvPicPr>
+          <p:cNvPr id="3" name="Picture Placeholder 2" descr="00000000.jpg"/>
+          <p:cNvPicPr>
+            <a:picLocks noGrp="1" noChangeAspect="1"/>
+          </p:cNvPicPr>
+          <p:nvPr>
+            <p:ph type="pic" idx="1"/>
+          </p:nvPr>
+        </p:nvPicPr>
+        <p:blipFill>
+          <a:blip r:embed="rId2"/>
+          <a:srcRect/>
+          <a:stretch>
+            <a:fillRect/>
+          </a:stretch>
+        </p:blipFill>
+        <p:spPr/>
+      </p:pic>
+      <p:sp>
+        <p:nvSpPr>
+          <p:cNvPr id="4" name="Text Placeholder 3"/>
+          <p:cNvSpPr>
+            <a:spLocks noGrp="1"/>
+          </p:cNvSpPr>
+          <p:nvPr>
+            <p:ph type="body" sz="half" idx="2"/>
+          </p:nvPr>
+        </p:nvSpPr>
+        <p:spPr/>
+        <p:txBody>
+          <a:bodyPr/>
+          <a:lstStyle/>
+          <a:p>
+            <a:endParaRPr/>
           </a:p>
         </p:txBody>
       </p:sp>
@@ -3203,7 +3283,653 @@
 </p:sld>
 </file>
 
-<file path=ppt/slides/slide3.xml><?xml version="1.0" encoding="utf-8"?>
+<file path=ppt/slides/slide11.xml><?xml version="1.0" encoding="utf-8"?>
+<p:sld xmlns:a="http://schemas.openxmlformats.org/drawingml/2006/main" xmlns:r="http://schemas.openxmlformats.org/officeDocument/2006/relationships" xmlns:p="http://schemas.openxmlformats.org/presentationml/2006/main">
+  <p:cSld>
+    <p:bg>
+      <p:bgPr>
+        <a:gradFill rotWithShape="1">
+          <a:gsLst>
+            <a:gs pos="0">
+              <a:schemeClr val="lt1">
+                <a:tint val="100000"/>
+                <a:shade val="100000"/>
+                <a:satMod val="130000"/>
+              </a:schemeClr>
+            </a:gs>
+            <a:gs pos="100000">
+              <a:schemeClr val="accent1">
+                <a:tint val="50000"/>
+                <a:shade val="100000"/>
+                <a:satMod val="350000"/>
+              </a:schemeClr>
+            </a:gs>
+          </a:gsLst>
+          <a:lin ang="19200000" scaled="0"/>
+        </a:gradFill>
+        <a:effectLst/>
+      </p:bgPr>
+    </p:bg>
+    <p:spTree>
+      <p:nvGrpSpPr>
+        <p:cNvPr id="1" name=""/>
+        <p:cNvGrpSpPr/>
+        <p:nvPr/>
+      </p:nvGrpSpPr>
+      <p:grpSpPr>
+        <a:xfrm>
+          <a:off x="0" y="0"/>
+          <a:ext cx="0" cy="0"/>
+          <a:chOff x="0" y="0"/>
+          <a:chExt cx="0" cy="0"/>
+        </a:xfrm>
+      </p:grpSpPr>
+      <p:sp>
+        <p:nvSpPr>
+          <p:cNvPr id="2" name="Title 1"/>
+          <p:cNvSpPr>
+            <a:spLocks noGrp="1"/>
+          </p:cNvSpPr>
+          <p:nvPr>
+            <p:ph type="title"/>
+          </p:nvPr>
+        </p:nvSpPr>
+        <p:spPr/>
+        <p:txBody>
+          <a:bodyPr/>
+          <a:lstStyle/>
+          <a:p>
+            <a:r>
+              <a:t>Keywords</a:t>
+            </a:r>
+          </a:p>
+        </p:txBody>
+      </p:sp>
+      <p:sp>
+        <p:nvSpPr>
+          <p:cNvPr id="3" name="Content Placeholder 2"/>
+          <p:cNvSpPr>
+            <a:spLocks noGrp="1"/>
+          </p:cNvSpPr>
+          <p:nvPr>
+            <p:ph idx="1"/>
+          </p:nvPr>
+        </p:nvSpPr>
+        <p:spPr/>
+        <p:txBody>
+          <a:bodyPr/>
+          <a:lstStyle/>
+          <a:p>
+            <a:r>
+              <a:rPr>
+                <a:hlinkClick r:id="rId2"/>
+              </a:rPr>
+              <a:t>image
+</a:t>
+            </a:r>
+            <a:r>
+              <a:rPr>
+                <a:hlinkClick r:id="rId3"/>
+              </a:rPr>
+              <a:t>microcontroller
+</a:t>
+            </a:r>
+            <a:r>
+              <a:rPr>
+                <a:hlinkClick r:id="rId4"/>
+              </a:rPr>
+              <a:t>cow
+</a:t>
+            </a:r>
+            <a:r>
+              <a:rPr>
+                <a:hlinkClick r:id="rId5"/>
+              </a:rPr>
+              <a:t>boom</a:t>
+            </a:r>
+          </a:p>
+        </p:txBody>
+      </p:sp>
+    </p:spTree>
+  </p:cSld>
+  <p:clrMapOvr>
+    <a:masterClrMapping/>
+  </p:clrMapOvr>
+</p:sld>
+</file>
+
+<file path=ppt/slides/slide12.xml><?xml version="1.0" encoding="utf-8"?>
+<p:sld xmlns:a="http://schemas.openxmlformats.org/drawingml/2006/main" xmlns:r="http://schemas.openxmlformats.org/officeDocument/2006/relationships" xmlns:p="http://schemas.openxmlformats.org/presentationml/2006/main">
+  <p:cSld>
+    <p:bg>
+      <p:bgPr>
+        <a:gradFill rotWithShape="1">
+          <a:gsLst>
+            <a:gs pos="0">
+              <a:schemeClr val="lt1">
+                <a:tint val="100000"/>
+                <a:shade val="100000"/>
+                <a:satMod val="130000"/>
+              </a:schemeClr>
+            </a:gs>
+            <a:gs pos="100000">
+              <a:schemeClr val="accent1">
+                <a:tint val="50000"/>
+                <a:shade val="100000"/>
+                <a:satMod val="350000"/>
+              </a:schemeClr>
+            </a:gs>
+          </a:gsLst>
+          <a:lin ang="19200000" scaled="0"/>
+        </a:gradFill>
+        <a:effectLst/>
+      </p:bgPr>
+    </p:bg>
+    <p:spTree>
+      <p:nvGrpSpPr>
+        <p:cNvPr id="1" name=""/>
+        <p:cNvGrpSpPr/>
+        <p:nvPr/>
+      </p:nvGrpSpPr>
+      <p:grpSpPr>
+        <a:xfrm>
+          <a:off x="0" y="0"/>
+          <a:ext cx="0" cy="0"/>
+          <a:chOff x="0" y="0"/>
+          <a:chExt cx="0" cy="0"/>
+        </a:xfrm>
+      </p:grpSpPr>
+      <p:sp>
+        <p:nvSpPr>
+          <p:cNvPr id="2" name="Title 1"/>
+          <p:cNvSpPr>
+            <a:spLocks noGrp="1"/>
+          </p:cNvSpPr>
+          <p:nvPr>
+            <p:ph type="title"/>
+          </p:nvPr>
+        </p:nvSpPr>
+        <p:spPr/>
+        <p:txBody>
+          <a:bodyPr>
+            <a:normAutofit fontScale="90000"/>
+          </a:bodyPr>
+          <a:lstStyle/>
+          <a:p>
+            <a:endParaRPr/>
+          </a:p>
+          <a:p>
+            <a:pPr lvl="1" algn="ctr"/>
+            <a:r>
+              <a:t>image of a tree .</a:t>
+            </a:r>
+          </a:p>
+        </p:txBody>
+      </p:sp>
+      <p:pic>
+        <p:nvPicPr>
+          <p:cNvPr id="3" name="Picture Placeholder 2" descr="image.jpg"/>
+          <p:cNvPicPr>
+            <a:picLocks noGrp="1" noChangeAspect="1"/>
+          </p:cNvPicPr>
+          <p:nvPr>
+            <p:ph type="pic" idx="1"/>
+          </p:nvPr>
+        </p:nvPicPr>
+        <p:blipFill>
+          <a:blip r:embed="rId2"/>
+          <a:srcRect/>
+          <a:stretch>
+            <a:fillRect/>
+          </a:stretch>
+        </p:blipFill>
+        <p:spPr/>
+      </p:pic>
+      <p:sp>
+        <p:nvSpPr>
+          <p:cNvPr id="4" name="Text Placeholder 3"/>
+          <p:cNvSpPr>
+            <a:spLocks noGrp="1"/>
+          </p:cNvSpPr>
+          <p:nvPr>
+            <p:ph type="body" sz="half" idx="2"/>
+          </p:nvPr>
+        </p:nvSpPr>
+        <p:spPr/>
+        <p:txBody>
+          <a:bodyPr/>
+          <a:lstStyle/>
+          <a:p>
+            <a:endParaRPr/>
+          </a:p>
+        </p:txBody>
+      </p:sp>
+    </p:spTree>
+  </p:cSld>
+  <p:clrMapOvr>
+    <a:masterClrMapping/>
+  </p:clrMapOvr>
+</p:sld>
+</file>
+
+<file path=ppt/slides/slide13.xml><?xml version="1.0" encoding="utf-8"?>
+<p:sld xmlns:a="http://schemas.openxmlformats.org/drawingml/2006/main" xmlns:r="http://schemas.openxmlformats.org/officeDocument/2006/relationships" xmlns:p="http://schemas.openxmlformats.org/presentationml/2006/main">
+  <p:cSld>
+    <p:bg>
+      <p:bgPr>
+        <a:gradFill rotWithShape="1">
+          <a:gsLst>
+            <a:gs pos="0">
+              <a:schemeClr val="lt1">
+                <a:tint val="100000"/>
+                <a:shade val="100000"/>
+                <a:satMod val="130000"/>
+              </a:schemeClr>
+            </a:gs>
+            <a:gs pos="100000">
+              <a:schemeClr val="accent1">
+                <a:tint val="50000"/>
+                <a:shade val="100000"/>
+                <a:satMod val="350000"/>
+              </a:schemeClr>
+            </a:gs>
+          </a:gsLst>
+          <a:lin ang="19200000" scaled="0"/>
+        </a:gradFill>
+        <a:effectLst/>
+      </p:bgPr>
+    </p:bg>
+    <p:spTree>
+      <p:nvGrpSpPr>
+        <p:cNvPr id="1" name=""/>
+        <p:cNvGrpSpPr/>
+        <p:nvPr/>
+      </p:nvGrpSpPr>
+      <p:grpSpPr>
+        <a:xfrm>
+          <a:off x="0" y="0"/>
+          <a:ext cx="0" cy="0"/>
+          <a:chOff x="0" y="0"/>
+          <a:chExt cx="0" cy="0"/>
+        </a:xfrm>
+      </p:grpSpPr>
+      <p:sp>
+        <p:nvSpPr>
+          <p:cNvPr id="2" name="Title 1"/>
+          <p:cNvSpPr>
+            <a:spLocks noGrp="1"/>
+          </p:cNvSpPr>
+          <p:nvPr>
+            <p:ph type="title"/>
+          </p:nvPr>
+        </p:nvSpPr>
+        <p:spPr/>
+        <p:txBody>
+          <a:bodyPr/>
+          <a:lstStyle/>
+          <a:p>
+            <a:endParaRPr/>
+          </a:p>
+        </p:txBody>
+      </p:sp>
+      <p:sp>
+        <p:nvSpPr>
+          <p:cNvPr id="3" name="Content Placeholder 2"/>
+          <p:cNvSpPr>
+            <a:spLocks noGrp="1"/>
+          </p:cNvSpPr>
+          <p:nvPr>
+            <p:ph idx="1"/>
+          </p:nvPr>
+        </p:nvSpPr>
+        <p:spPr/>
+        <p:txBody>
+          <a:bodyPr/>
+          <a:lstStyle/>
+          <a:p>
+            <a:endParaRPr/>
+          </a:p>
+          <a:p>
+            <a:pPr lvl="1"/>
+            <a:r>
+              <a:t>study about the 8051 microcontroller it ha 32 prince it ha two timer register .</a:t>
+            </a:r>
+          </a:p>
+        </p:txBody>
+      </p:sp>
+    </p:spTree>
+  </p:cSld>
+  <p:clrMapOvr>
+    <a:masterClrMapping/>
+  </p:clrMapOvr>
+</p:sld>
+</file>
+
+<file path=ppt/slides/slide14.xml><?xml version="1.0" encoding="utf-8"?>
+<p:sld xmlns:a="http://schemas.openxmlformats.org/drawingml/2006/main" xmlns:r="http://schemas.openxmlformats.org/officeDocument/2006/relationships" xmlns:p="http://schemas.openxmlformats.org/presentationml/2006/main">
+  <p:cSld>
+    <p:bg>
+      <p:bgPr>
+        <a:gradFill rotWithShape="1">
+          <a:gsLst>
+            <a:gs pos="0">
+              <a:schemeClr val="lt1">
+                <a:tint val="100000"/>
+                <a:shade val="100000"/>
+                <a:satMod val="130000"/>
+              </a:schemeClr>
+            </a:gs>
+            <a:gs pos="100000">
+              <a:schemeClr val="accent1">
+                <a:tint val="50000"/>
+                <a:shade val="100000"/>
+                <a:satMod val="350000"/>
+              </a:schemeClr>
+            </a:gs>
+          </a:gsLst>
+          <a:lin ang="19200000" scaled="0"/>
+        </a:gradFill>
+        <a:effectLst/>
+      </p:bgPr>
+    </p:bg>
+    <p:spTree>
+      <p:nvGrpSpPr>
+        <p:cNvPr id="1" name=""/>
+        <p:cNvGrpSpPr/>
+        <p:nvPr/>
+      </p:nvGrpSpPr>
+      <p:grpSpPr>
+        <a:xfrm>
+          <a:off x="0" y="0"/>
+          <a:ext cx="0" cy="0"/>
+          <a:chOff x="0" y="0"/>
+          <a:chExt cx="0" cy="0"/>
+        </a:xfrm>
+      </p:grpSpPr>
+      <p:sp>
+        <p:nvSpPr>
+          <p:cNvPr id="2" name="Title 1"/>
+          <p:cNvSpPr>
+            <a:spLocks noGrp="1"/>
+          </p:cNvSpPr>
+          <p:nvPr>
+            <p:ph type="title"/>
+          </p:nvPr>
+        </p:nvSpPr>
+        <p:spPr/>
+        <p:txBody>
+          <a:bodyPr/>
+          <a:lstStyle/>
+          <a:p>
+            <a:r>
+              <a:t>Microcontroller</a:t>
+            </a:r>
+          </a:p>
+        </p:txBody>
+      </p:sp>
+      <p:sp>
+        <p:nvSpPr>
+          <p:cNvPr id="3" name="Content Placeholder 2"/>
+          <p:cNvSpPr>
+            <a:spLocks noGrp="1"/>
+          </p:cNvSpPr>
+          <p:nvPr>
+            <p:ph idx="1"/>
+          </p:nvPr>
+        </p:nvSpPr>
+        <p:spPr/>
+        <p:txBody>
+          <a:bodyPr/>
+          <a:lstStyle/>
+          <a:p>
+            <a:endParaRPr/>
+          </a:p>
+          <a:p>
+            <a:pPr lvl="1"/>
+            <a:r>
+              <a:t>microcontroller .</a:t>
+            </a:r>
+          </a:p>
+        </p:txBody>
+      </p:sp>
+    </p:spTree>
+  </p:cSld>
+  <p:clrMapOvr>
+    <a:masterClrMapping/>
+  </p:clrMapOvr>
+</p:sld>
+</file>
+
+<file path=ppt/slides/slide15.xml><?xml version="1.0" encoding="utf-8"?>
+<p:sld xmlns:a="http://schemas.openxmlformats.org/drawingml/2006/main" xmlns:r="http://schemas.openxmlformats.org/officeDocument/2006/relationships" xmlns:p="http://schemas.openxmlformats.org/presentationml/2006/main">
+  <p:cSld>
+    <p:bg>
+      <p:bgPr>
+        <a:gradFill rotWithShape="1">
+          <a:gsLst>
+            <a:gs pos="0">
+              <a:schemeClr val="lt1">
+                <a:tint val="100000"/>
+                <a:shade val="100000"/>
+                <a:satMod val="130000"/>
+              </a:schemeClr>
+            </a:gs>
+            <a:gs pos="100000">
+              <a:schemeClr val="accent1">
+                <a:tint val="50000"/>
+                <a:shade val="100000"/>
+                <a:satMod val="350000"/>
+              </a:schemeClr>
+            </a:gs>
+          </a:gsLst>
+          <a:lin ang="19200000" scaled="0"/>
+        </a:gradFill>
+        <a:effectLst/>
+      </p:bgPr>
+    </p:bg>
+    <p:spTree>
+      <p:nvGrpSpPr>
+        <p:cNvPr id="1" name=""/>
+        <p:cNvGrpSpPr/>
+        <p:nvPr/>
+      </p:nvGrpSpPr>
+      <p:grpSpPr>
+        <a:xfrm>
+          <a:off x="0" y="0"/>
+          <a:ext cx="0" cy="0"/>
+          <a:chOff x="0" y="0"/>
+          <a:chExt cx="0" cy="0"/>
+        </a:xfrm>
+      </p:grpSpPr>
+      <p:sp>
+        <p:nvSpPr>
+          <p:cNvPr id="2" name="Title 1"/>
+          <p:cNvSpPr>
+            <a:spLocks noGrp="1"/>
+          </p:cNvSpPr>
+          <p:nvPr>
+            <p:ph type="title"/>
+          </p:nvPr>
+        </p:nvSpPr>
+        <p:spPr/>
+        <p:txBody>
+          <a:bodyPr/>
+          <a:lstStyle/>
+          <a:p>
+            <a:r>
+              <a:t>Keywords</a:t>
+            </a:r>
+          </a:p>
+        </p:txBody>
+      </p:sp>
+      <p:sp>
+        <p:nvSpPr>
+          <p:cNvPr id="3" name="Content Placeholder 2"/>
+          <p:cNvSpPr>
+            <a:spLocks noGrp="1"/>
+          </p:cNvSpPr>
+          <p:nvPr>
+            <p:ph idx="1"/>
+          </p:nvPr>
+        </p:nvSpPr>
+        <p:spPr/>
+        <p:txBody>
+          <a:bodyPr/>
+          <a:lstStyle/>
+          <a:p>
+            <a:r>
+              <a:rPr>
+                <a:hlinkClick r:id="rId2"/>
+              </a:rPr>
+              <a:t>microcontroller
+</a:t>
+            </a:r>
+            <a:r>
+              <a:rPr>
+                <a:hlinkClick r:id="rId3"/>
+              </a:rPr>
+              <a:t>image
+</a:t>
+            </a:r>
+            <a:r>
+              <a:rPr>
+                <a:hlinkClick r:id="rId4"/>
+              </a:rPr>
+              <a:t>ha
+</a:t>
+            </a:r>
+            <a:r>
+              <a:rPr>
+                <a:hlinkClick r:id="rId5"/>
+              </a:rPr>
+              <a:t>8051</a:t>
+            </a:r>
+          </a:p>
+        </p:txBody>
+      </p:sp>
+    </p:spTree>
+  </p:cSld>
+  <p:clrMapOvr>
+    <a:masterClrMapping/>
+  </p:clrMapOvr>
+</p:sld>
+</file>
+
+<file path=ppt/slides/slide16.xml><?xml version="1.0" encoding="utf-8"?>
+<p:sld xmlns:a="http://schemas.openxmlformats.org/drawingml/2006/main" xmlns:r="http://schemas.openxmlformats.org/officeDocument/2006/relationships" xmlns:p="http://schemas.openxmlformats.org/presentationml/2006/main">
+  <p:cSld>
+    <p:bg>
+      <p:bgPr>
+        <a:gradFill rotWithShape="1">
+          <a:gsLst>
+            <a:gs pos="0">
+              <a:schemeClr val="lt1">
+                <a:tint val="100000"/>
+                <a:shade val="100000"/>
+                <a:satMod val="130000"/>
+              </a:schemeClr>
+            </a:gs>
+            <a:gs pos="100000">
+              <a:schemeClr val="accent1">
+                <a:tint val="50000"/>
+                <a:shade val="100000"/>
+                <a:satMod val="350000"/>
+              </a:schemeClr>
+            </a:gs>
+          </a:gsLst>
+          <a:lin ang="19200000" scaled="0"/>
+        </a:gradFill>
+        <a:effectLst/>
+      </p:bgPr>
+    </p:bg>
+    <p:spTree>
+      <p:nvGrpSpPr>
+        <p:cNvPr id="1" name=""/>
+        <p:cNvGrpSpPr/>
+        <p:nvPr/>
+      </p:nvGrpSpPr>
+      <p:grpSpPr>
+        <a:xfrm>
+          <a:off x="0" y="0"/>
+          <a:ext cx="0" cy="0"/>
+          <a:chOff x="0" y="0"/>
+          <a:chExt cx="0" cy="0"/>
+        </a:xfrm>
+      </p:grpSpPr>
+      <p:sp>
+        <p:nvSpPr>
+          <p:cNvPr id="2" name="Title 1"/>
+          <p:cNvSpPr>
+            <a:spLocks noGrp="1"/>
+          </p:cNvSpPr>
+          <p:nvPr>
+            <p:ph type="title"/>
+          </p:nvPr>
+        </p:nvSpPr>
+        <p:spPr/>
+        <p:txBody>
+          <a:bodyPr>
+            <a:normAutofit fontScale="90000"/>
+          </a:bodyPr>
+          <a:lstStyle/>
+          <a:p>
+            <a:endParaRPr/>
+          </a:p>
+          <a:p>
+            <a:pPr lvl="1" algn="ctr"/>
+            <a:r>
+              <a:t>image of 8051 microcontroller .</a:t>
+            </a:r>
+          </a:p>
+        </p:txBody>
+      </p:sp>
+      <p:pic>
+        <p:nvPicPr>
+          <p:cNvPr id="3" name="Picture Placeholder 2" descr="00000000.png"/>
+          <p:cNvPicPr>
+            <a:picLocks noGrp="1" noChangeAspect="1"/>
+          </p:cNvPicPr>
+          <p:nvPr>
+            <p:ph type="pic" idx="1"/>
+          </p:nvPr>
+        </p:nvPicPr>
+        <p:blipFill>
+          <a:blip r:embed="rId2"/>
+          <a:srcRect/>
+          <a:stretch>
+            <a:fillRect/>
+          </a:stretch>
+        </p:blipFill>
+        <p:spPr/>
+      </p:pic>
+      <p:sp>
+        <p:nvSpPr>
+          <p:cNvPr id="4" name="Text Placeholder 3"/>
+          <p:cNvSpPr>
+            <a:spLocks noGrp="1"/>
+          </p:cNvSpPr>
+          <p:nvPr>
+            <p:ph type="body" sz="half" idx="2"/>
+          </p:nvPr>
+        </p:nvSpPr>
+        <p:spPr/>
+        <p:txBody>
+          <a:bodyPr/>
+          <a:lstStyle/>
+          <a:p>
+            <a:endParaRPr/>
+          </a:p>
+        </p:txBody>
+      </p:sp>
+    </p:spTree>
+  </p:cSld>
+  <p:clrMapOvr>
+    <a:masterClrMapping/>
+  </p:clrMapOvr>
+</p:sld>
+</file>
+
+<file path=ppt/slides/slide17.xml><?xml version="1.0" encoding="utf-8"?>
 <p:sld xmlns:a="http://schemas.openxmlformats.org/drawingml/2006/main" xmlns:p="http://schemas.openxmlformats.org/presentationml/2006/main" xmlns:r="http://schemas.openxmlformats.org/officeDocument/2006/relationships">
   <p:cSld>
     <p:bg>
@@ -3251,56 +3977,49 @@
         <p:txBody>
           <a:bodyPr/>
           <a:lstStyle/>
-          <a:p>
-            <a:r>
-              <a:t>Keywords</a:t>
-            </a:r>
-          </a:p>
-        </p:txBody>
-      </p:sp>
-      <p:sp>
-        <p:nvSpPr>
-          <p:cNvPr id="3" name="Content Placeholder 2"/>
-          <p:cNvSpPr>
-            <a:spLocks noGrp="1"/>
-          </p:cNvSpPr>
-          <p:nvPr>
-            <p:ph idx="1"/>
-          </p:nvPr>
-        </p:nvSpPr>
-        <p:spPr/>
-        <p:txBody>
-          <a:bodyPr/>
-          <a:lstStyle/>
-          <a:p>
-            <a:r>
-              <a:rPr>
-                <a:hlinkClick r:id="rId2"/>
-              </a:rPr>
-              <a:t>microcontroller
-</a:t>
-            </a:r>
-            <a:r>
-              <a:rPr>
-                <a:hlinkClick r:id="rId2"/>
-              </a:rPr>
-              <a:t>image
-</a:t>
-            </a:r>
-            <a:r>
-              <a:rPr>
-                <a:hlinkClick r:id="rId2"/>
-              </a:rPr>
-              <a:t>cow
-</a:t>
-            </a:r>
-            <a:r>
-              <a:rPr>
-                <a:hlinkClick r:id="rId2"/>
-              </a:rPr>
-              <a:t>boom</a:t>
-            </a:r>
-          </a:p>
+          <a:p/>
+          <a:p>
+            <a:pPr lvl="1" algn="ctr"/>
+            <a:r>
+              <a:t>get i an image of a microcontroller .</a:t>
+            </a:r>
+          </a:p>
+        </p:txBody>
+      </p:sp>
+      <p:pic>
+        <p:nvPicPr>
+          <p:cNvPr id="3" name="Picture Placeholder 2" descr="image.jpg"/>
+          <p:cNvPicPr>
+            <a:picLocks noGrp="1" noChangeAspect="1"/>
+          </p:cNvPicPr>
+          <p:nvPr>
+            <p:ph type="pic" idx="1"/>
+          </p:nvPr>
+        </p:nvPicPr>
+        <p:blipFill>
+          <a:blip r:embed="rId2"/>
+          <a:srcRect/>
+          <a:stretch>
+            <a:fillRect/>
+          </a:stretch>
+        </p:blipFill>
+        <p:spPr/>
+      </p:pic>
+      <p:sp>
+        <p:nvSpPr>
+          <p:cNvPr id="4" name="Text Placeholder 3"/>
+          <p:cNvSpPr>
+            <a:spLocks noGrp="1"/>
+          </p:cNvSpPr>
+          <p:nvPr>
+            <p:ph type="body" idx="2" sz="half"/>
+          </p:nvPr>
+        </p:nvSpPr>
+        <p:spPr/>
+        <p:txBody>
+          <a:bodyPr/>
+          <a:lstStyle/>
+          <a:p/>
         </p:txBody>
       </p:sp>
     </p:spTree>
@@ -3311,7 +4030,7 @@
 </p:sld>
 </file>
 
-<file path=ppt/slides/slide4.xml><?xml version="1.0" encoding="utf-8"?>
+<file path=ppt/slides/slide18.xml><?xml version="1.0" encoding="utf-8"?>
 <p:sld xmlns:a="http://schemas.openxmlformats.org/drawingml/2006/main" xmlns:p="http://schemas.openxmlformats.org/presentationml/2006/main" xmlns:r="http://schemas.openxmlformats.org/officeDocument/2006/relationships">
   <p:cSld>
     <p:bg>
@@ -3390,6 +4109,380 @@
             </a:r>
             <a:r>
               <a:rPr>
+                <a:hlinkClick r:id="rId3"/>
+              </a:rPr>
+              <a:t>image
+</a:t>
+            </a:r>
+            <a:r>
+              <a:rPr>
+                <a:hlinkClick r:id="rId4"/>
+              </a:rPr>
+              <a:t>8051
+</a:t>
+            </a:r>
+            <a:r>
+              <a:rPr>
+                <a:hlinkClick r:id="rId5"/>
+              </a:rPr>
+              <a:t>ha</a:t>
+            </a:r>
+          </a:p>
+        </p:txBody>
+      </p:sp>
+    </p:spTree>
+  </p:cSld>
+  <p:clrMapOvr>
+    <a:masterClrMapping/>
+  </p:clrMapOvr>
+</p:sld>
+</file>
+
+<file path=ppt/slides/slide19.xml><?xml version="1.0" encoding="utf-8"?>
+<p:sld xmlns:a="http://schemas.openxmlformats.org/drawingml/2006/main" xmlns:p="http://schemas.openxmlformats.org/presentationml/2006/main" xmlns:r="http://schemas.openxmlformats.org/officeDocument/2006/relationships">
+  <p:cSld>
+    <p:bg>
+      <p:bgPr>
+        <a:gradFill rotWithShape="1">
+          <a:gsLst>
+            <a:gs pos="0">
+              <a:schemeClr val="lt1">
+                <a:tint val="100000"/>
+                <a:shade val="100000"/>
+                <a:satMod val="130000"/>
+              </a:schemeClr>
+            </a:gs>
+            <a:gs pos="100000">
+              <a:schemeClr val="accent1">
+                <a:tint val="50000"/>
+                <a:shade val="100000"/>
+                <a:satMod val="350000"/>
+              </a:schemeClr>
+            </a:gs>
+          </a:gsLst>
+          <a:lin scaled="0" ang="19200000"/>
+        </a:gradFill>
+        <a:effectLst/>
+      </p:bgPr>
+    </p:bg>
+    <p:spTree>
+      <p:nvGrpSpPr>
+        <p:cNvPr id="1" name=""/>
+        <p:cNvGrpSpPr/>
+        <p:nvPr/>
+      </p:nvGrpSpPr>
+      <p:grpSpPr/>
+      <p:sp>
+        <p:nvSpPr>
+          <p:cNvPr id="2" name="Title 1"/>
+          <p:cNvSpPr>
+            <a:spLocks noGrp="1"/>
+          </p:cNvSpPr>
+          <p:nvPr>
+            <p:ph type="title"/>
+          </p:nvPr>
+        </p:nvSpPr>
+        <p:spPr/>
+        <p:txBody>
+          <a:bodyPr/>
+          <a:lstStyle/>
+          <a:p/>
+          <a:p>
+            <a:pPr lvl="1" algn="ctr"/>
+            <a:r>
+              <a:t>get i the image of an 8051 microcontroller .</a:t>
+            </a:r>
+          </a:p>
+        </p:txBody>
+      </p:sp>
+      <p:pic>
+        <p:nvPicPr>
+          <p:cNvPr id="3" name="Picture Placeholder 2" descr="image.jpg"/>
+          <p:cNvPicPr>
+            <a:picLocks noGrp="1" noChangeAspect="1"/>
+          </p:cNvPicPr>
+          <p:nvPr>
+            <p:ph type="pic" idx="1"/>
+          </p:nvPr>
+        </p:nvPicPr>
+        <p:blipFill>
+          <a:blip r:embed="rId2"/>
+          <a:srcRect/>
+          <a:stretch>
+            <a:fillRect/>
+          </a:stretch>
+        </p:blipFill>
+        <p:spPr/>
+      </p:pic>
+      <p:sp>
+        <p:nvSpPr>
+          <p:cNvPr id="4" name="Text Placeholder 3"/>
+          <p:cNvSpPr>
+            <a:spLocks noGrp="1"/>
+          </p:cNvSpPr>
+          <p:nvPr>
+            <p:ph type="body" idx="2" sz="half"/>
+          </p:nvPr>
+        </p:nvSpPr>
+        <p:spPr/>
+        <p:txBody>
+          <a:bodyPr/>
+          <a:lstStyle/>
+          <a:p/>
+        </p:txBody>
+      </p:sp>
+    </p:spTree>
+  </p:cSld>
+  <p:clrMapOvr>
+    <a:masterClrMapping/>
+  </p:clrMapOvr>
+</p:sld>
+</file>
+
+<file path=ppt/slides/slide2.xml><?xml version="1.0" encoding="utf-8"?>
+<p:sld xmlns:a="http://schemas.openxmlformats.org/drawingml/2006/main" xmlns:r="http://schemas.openxmlformats.org/officeDocument/2006/relationships" xmlns:p="http://schemas.openxmlformats.org/presentationml/2006/main">
+  <p:cSld>
+    <p:spTree>
+      <p:nvGrpSpPr>
+        <p:cNvPr id="1" name=""/>
+        <p:cNvGrpSpPr/>
+        <p:nvPr/>
+      </p:nvGrpSpPr>
+      <p:grpSpPr>
+        <a:xfrm>
+          <a:off x="0" y="0"/>
+          <a:ext cx="0" cy="0"/>
+          <a:chOff x="0" y="0"/>
+          <a:chExt cx="0" cy="0"/>
+        </a:xfrm>
+      </p:grpSpPr>
+      <p:sp>
+        <p:nvSpPr>
+          <p:cNvPr id="2" name="Title 1"/>
+          <p:cNvSpPr>
+            <a:spLocks noGrp="1"/>
+          </p:cNvSpPr>
+          <p:nvPr>
+            <p:ph type="title"/>
+          </p:nvPr>
+        </p:nvSpPr>
+        <p:spPr/>
+        <p:txBody>
+          <a:bodyPr/>
+          <a:lstStyle/>
+          <a:p>
+            <a:r>
+              <a:rPr lang="en-IN" dirty="0" smtClean="0"/>
+              <a:t>test</a:t>
+            </a:r>
+            <a:endParaRPr dirty="0"/>
+          </a:p>
+        </p:txBody>
+      </p:sp>
+      <p:sp>
+        <p:nvSpPr>
+          <p:cNvPr id="3" name="Content Placeholder 2"/>
+          <p:cNvSpPr>
+            <a:spLocks noGrp="1"/>
+          </p:cNvSpPr>
+          <p:nvPr>
+            <p:ph idx="1"/>
+          </p:nvPr>
+        </p:nvSpPr>
+        <p:spPr/>
+        <p:txBody>
+          <a:bodyPr/>
+          <a:lstStyle/>
+          <a:p>
+            <a:endParaRPr dirty="0"/>
+          </a:p>
+          <a:p>
+            <a:pPr lvl="1"/>
+            <a:r>
+              <a:rPr dirty="0"/>
+              <a:t>this is a survey on 8051 microcontroller</a:t>
+            </a:r>
+          </a:p>
+          <a:p>
+            <a:pPr lvl="1"/>
+            <a:r>
+              <a:t>it ha 32 prince it ha a timer .</a:t>
+            </a:r>
+          </a:p>
+        </p:txBody>
+      </p:sp>
+    </p:spTree>
+  </p:cSld>
+  <p:clrMapOvr>
+    <a:masterClrMapping/>
+  </p:clrMapOvr>
+</p:sld>
+</file>
+
+<file path=ppt/slides/slide20.xml><?xml version="1.0" encoding="utf-8"?>
+<p:sld xmlns:a="http://schemas.openxmlformats.org/drawingml/2006/main" xmlns:p="http://schemas.openxmlformats.org/presentationml/2006/main" xmlns:r="http://schemas.openxmlformats.org/officeDocument/2006/relationships">
+  <p:cSld>
+    <p:bg>
+      <p:bgPr>
+        <a:gradFill rotWithShape="1">
+          <a:gsLst>
+            <a:gs pos="0">
+              <a:schemeClr val="lt1">
+                <a:tint val="100000"/>
+                <a:shade val="100000"/>
+                <a:satMod val="130000"/>
+              </a:schemeClr>
+            </a:gs>
+            <a:gs pos="100000">
+              <a:schemeClr val="accent1">
+                <a:tint val="50000"/>
+                <a:shade val="100000"/>
+                <a:satMod val="350000"/>
+              </a:schemeClr>
+            </a:gs>
+          </a:gsLst>
+          <a:lin scaled="0" ang="19200000"/>
+        </a:gradFill>
+        <a:effectLst/>
+      </p:bgPr>
+    </p:bg>
+    <p:spTree>
+      <p:nvGrpSpPr>
+        <p:cNvPr id="1" name=""/>
+        <p:cNvGrpSpPr/>
+        <p:nvPr/>
+      </p:nvGrpSpPr>
+      <p:grpSpPr/>
+      <p:sp>
+        <p:nvSpPr>
+          <p:cNvPr id="2" name="Title 1"/>
+          <p:cNvSpPr>
+            <a:spLocks noGrp="1"/>
+          </p:cNvSpPr>
+          <p:nvPr>
+            <p:ph type="title"/>
+          </p:nvPr>
+        </p:nvSpPr>
+        <p:spPr/>
+        <p:txBody>
+          <a:bodyPr/>
+          <a:lstStyle/>
+          <a:p>
+            <a:r>
+              <a:t>Differential</a:t>
+            </a:r>
+          </a:p>
+        </p:txBody>
+      </p:sp>
+      <p:sp>
+        <p:nvSpPr>
+          <p:cNvPr id="3" name="Content Placeholder 2"/>
+          <p:cNvSpPr>
+            <a:spLocks noGrp="1"/>
+          </p:cNvSpPr>
+          <p:nvPr>
+            <p:ph idx="1"/>
+          </p:nvPr>
+        </p:nvSpPr>
+        <p:spPr/>
+        <p:txBody>
+          <a:bodyPr/>
+          <a:lstStyle/>
+          <a:p/>
+          <a:p>
+            <a:pPr lvl="1"/>
+            <a:r>
+              <a:t>neural network is the deep learning model</a:t>
+            </a:r>
+          </a:p>
+          <a:p>
+            <a:pPr lvl="1"/>
+            <a:r>
+              <a:t>it work on partial differential equation .</a:t>
+            </a:r>
+          </a:p>
+        </p:txBody>
+      </p:sp>
+    </p:spTree>
+  </p:cSld>
+  <p:clrMapOvr>
+    <a:masterClrMapping/>
+  </p:clrMapOvr>
+</p:sld>
+</file>
+
+<file path=ppt/slides/slide21.xml><?xml version="1.0" encoding="utf-8"?>
+<p:sld xmlns:a="http://schemas.openxmlformats.org/drawingml/2006/main" xmlns:p="http://schemas.openxmlformats.org/presentationml/2006/main" xmlns:r="http://schemas.openxmlformats.org/officeDocument/2006/relationships">
+  <p:cSld>
+    <p:bg>
+      <p:bgPr>
+        <a:gradFill rotWithShape="1">
+          <a:gsLst>
+            <a:gs pos="0">
+              <a:schemeClr val="lt1">
+                <a:tint val="100000"/>
+                <a:shade val="100000"/>
+                <a:satMod val="130000"/>
+              </a:schemeClr>
+            </a:gs>
+            <a:gs pos="100000">
+              <a:schemeClr val="accent1">
+                <a:tint val="50000"/>
+                <a:shade val="100000"/>
+                <a:satMod val="350000"/>
+              </a:schemeClr>
+            </a:gs>
+          </a:gsLst>
+          <a:lin scaled="0" ang="19200000"/>
+        </a:gradFill>
+        <a:effectLst/>
+      </p:bgPr>
+    </p:bg>
+    <p:spTree>
+      <p:nvGrpSpPr>
+        <p:cNvPr id="1" name=""/>
+        <p:cNvGrpSpPr/>
+        <p:nvPr/>
+      </p:nvGrpSpPr>
+      <p:grpSpPr/>
+      <p:sp>
+        <p:nvSpPr>
+          <p:cNvPr id="2" name="Title 1"/>
+          <p:cNvSpPr>
+            <a:spLocks noGrp="1"/>
+          </p:cNvSpPr>
+          <p:nvPr>
+            <p:ph type="title"/>
+          </p:nvPr>
+        </p:nvSpPr>
+        <p:spPr/>
+        <p:txBody>
+          <a:bodyPr/>
+          <a:lstStyle/>
+          <a:p>
+            <a:r>
+              <a:t>Keywords</a:t>
+            </a:r>
+          </a:p>
+        </p:txBody>
+      </p:sp>
+      <p:sp>
+        <p:nvSpPr>
+          <p:cNvPr id="3" name="Content Placeholder 2"/>
+          <p:cNvSpPr>
+            <a:spLocks noGrp="1"/>
+          </p:cNvSpPr>
+          <p:nvPr>
+            <p:ph idx="1"/>
+          </p:nvPr>
+        </p:nvSpPr>
+        <p:spPr/>
+        <p:txBody>
+          <a:bodyPr/>
+          <a:lstStyle/>
+          <a:p>
+            <a:r>
+              <a:rPr>
                 <a:hlinkClick r:id="rId2"/>
               </a:rPr>
               <a:t>image
@@ -3397,17 +4490,670 @@
             </a:r>
             <a:r>
               <a:rPr>
-                <a:hlinkClick r:id="rId2"/>
+                <a:hlinkClick r:id="rId3"/>
               </a:rPr>
-              <a:t>cow
+              <a:t>microcontroller
 </a:t>
             </a:r>
             <a:r>
               <a:rPr>
-                <a:hlinkClick r:id="rId2"/>
+                <a:hlinkClick r:id="rId4"/>
               </a:rPr>
-              <a:t>boom</a:t>
-            </a:r>
+              <a:t>8051
+</a:t>
+            </a:r>
+            <a:r>
+              <a:rPr>
+                <a:hlinkClick r:id="rId5"/>
+              </a:rPr>
+              <a:t>ha</a:t>
+            </a:r>
+          </a:p>
+        </p:txBody>
+      </p:sp>
+    </p:spTree>
+  </p:cSld>
+  <p:clrMapOvr>
+    <a:masterClrMapping/>
+  </p:clrMapOvr>
+</p:sld>
+</file>
+
+<file path=ppt/slides/slide3.xml><?xml version="1.0" encoding="utf-8"?>
+<p:sld xmlns:a="http://schemas.openxmlformats.org/drawingml/2006/main" xmlns:r="http://schemas.openxmlformats.org/officeDocument/2006/relationships" xmlns:p="http://schemas.openxmlformats.org/presentationml/2006/main">
+  <p:cSld>
+    <p:spTree>
+      <p:nvGrpSpPr>
+        <p:cNvPr id="1" name=""/>
+        <p:cNvGrpSpPr/>
+        <p:nvPr/>
+      </p:nvGrpSpPr>
+      <p:grpSpPr>
+        <a:xfrm>
+          <a:off x="0" y="0"/>
+          <a:ext cx="0" cy="0"/>
+          <a:chOff x="0" y="0"/>
+          <a:chExt cx="0" cy="0"/>
+        </a:xfrm>
+      </p:grpSpPr>
+      <p:sp>
+        <p:nvSpPr>
+          <p:cNvPr id="2" name="Title 1"/>
+          <p:cNvSpPr>
+            <a:spLocks noGrp="1"/>
+          </p:cNvSpPr>
+          <p:nvPr>
+            <p:ph type="title"/>
+          </p:nvPr>
+        </p:nvSpPr>
+        <p:spPr/>
+        <p:txBody>
+          <a:bodyPr>
+            <a:normAutofit fontScale="90000"/>
+          </a:bodyPr>
+          <a:lstStyle/>
+          <a:p>
+            <a:endParaRPr/>
+          </a:p>
+          <a:p>
+            <a:pPr lvl="1" algn="ctr"/>
+            <a:r>
+              <a:t>the 8085 is a microprocessor show</a:t>
+            </a:r>
+          </a:p>
+          <a:p>
+            <a:pPr lvl="1" algn="ctr"/>
+            <a:r>
+              <a:t>i an image of the 8085 processor .</a:t>
+            </a:r>
+          </a:p>
+        </p:txBody>
+      </p:sp>
+      <p:pic>
+        <p:nvPicPr>
+          <p:cNvPr id="3" name="Picture Placeholder 2" descr="00000000.png"/>
+          <p:cNvPicPr>
+            <a:picLocks noGrp="1" noChangeAspect="1"/>
+          </p:cNvPicPr>
+          <p:nvPr>
+            <p:ph type="pic" idx="1"/>
+          </p:nvPr>
+        </p:nvPicPr>
+        <p:blipFill>
+          <a:blip r:embed="rId2"/>
+          <a:srcRect/>
+          <a:stretch>
+            <a:fillRect/>
+          </a:stretch>
+        </p:blipFill>
+        <p:spPr/>
+      </p:pic>
+      <p:sp>
+        <p:nvSpPr>
+          <p:cNvPr id="4" name="Text Placeholder 3"/>
+          <p:cNvSpPr>
+            <a:spLocks noGrp="1"/>
+          </p:cNvSpPr>
+          <p:nvPr>
+            <p:ph type="body" sz="half" idx="2"/>
+          </p:nvPr>
+        </p:nvSpPr>
+        <p:spPr/>
+        <p:txBody>
+          <a:bodyPr/>
+          <a:lstStyle/>
+          <a:p>
+            <a:endParaRPr/>
+          </a:p>
+        </p:txBody>
+      </p:sp>
+    </p:spTree>
+  </p:cSld>
+  <p:clrMapOvr>
+    <a:masterClrMapping/>
+  </p:clrMapOvr>
+</p:sld>
+</file>
+
+<file path=ppt/slides/slide4.xml><?xml version="1.0" encoding="utf-8"?>
+<p:sld xmlns:a="http://schemas.openxmlformats.org/drawingml/2006/main" xmlns:r="http://schemas.openxmlformats.org/officeDocument/2006/relationships" xmlns:p="http://schemas.openxmlformats.org/presentationml/2006/main">
+  <p:cSld>
+    <p:spTree>
+      <p:nvGrpSpPr>
+        <p:cNvPr id="1" name=""/>
+        <p:cNvGrpSpPr/>
+        <p:nvPr/>
+      </p:nvGrpSpPr>
+      <p:grpSpPr>
+        <a:xfrm>
+          <a:off x="0" y="0"/>
+          <a:ext cx="0" cy="0"/>
+          <a:chOff x="0" y="0"/>
+          <a:chExt cx="0" cy="0"/>
+        </a:xfrm>
+      </p:grpSpPr>
+      <p:sp>
+        <p:nvSpPr>
+          <p:cNvPr id="2" name="Title 1"/>
+          <p:cNvSpPr>
+            <a:spLocks noGrp="1"/>
+          </p:cNvSpPr>
+          <p:nvPr>
+            <p:ph type="title"/>
+          </p:nvPr>
+        </p:nvSpPr>
+        <p:spPr/>
+        <p:txBody>
+          <a:bodyPr/>
+          <a:lstStyle/>
+          <a:p>
+            <a:endParaRPr dirty="0"/>
+          </a:p>
+        </p:txBody>
+      </p:sp>
+      <p:sp>
+        <p:nvSpPr>
+          <p:cNvPr id="3" name="Content Placeholder 2"/>
+          <p:cNvSpPr>
+            <a:spLocks noGrp="1"/>
+          </p:cNvSpPr>
+          <p:nvPr>
+            <p:ph idx="1"/>
+          </p:nvPr>
+        </p:nvSpPr>
+        <p:spPr/>
+        <p:txBody>
+          <a:bodyPr/>
+          <a:lstStyle/>
+          <a:p>
+            <a:endParaRPr dirty="0"/>
+          </a:p>
+          <a:p>
+            <a:pPr lvl="1"/>
+            <a:r>
+              <a:rPr dirty="0"/>
+              <a:t>this is our internet and web programming class</a:t>
+            </a:r>
+          </a:p>
+          <a:p>
+            <a:pPr lvl="1"/>
+            <a:r>
+              <a:rPr dirty="0"/>
+              <a:t>it is use in html and </a:t>
+            </a:r>
+            <a:r>
+              <a:rPr dirty="0" err="1"/>
+              <a:t>css</a:t>
+            </a:r>
+            <a:r>
+              <a:rPr dirty="0"/>
+              <a:t> client side script language </a:t>
+            </a:r>
+            <a:r>
+              <a:rPr dirty="0" err="1"/>
+              <a:t>javascript</a:t>
+            </a:r>
+            <a:r>
+              <a:t> .</a:t>
+            </a:r>
+          </a:p>
+        </p:txBody>
+      </p:sp>
+    </p:spTree>
+  </p:cSld>
+  <p:clrMapOvr>
+    <a:masterClrMapping/>
+  </p:clrMapOvr>
+</p:sld>
+</file>
+
+<file path=ppt/slides/slide5.xml><?xml version="1.0" encoding="utf-8"?>
+<p:sld xmlns:a="http://schemas.openxmlformats.org/drawingml/2006/main" xmlns:r="http://schemas.openxmlformats.org/officeDocument/2006/relationships" xmlns:p="http://schemas.openxmlformats.org/presentationml/2006/main">
+  <p:cSld>
+    <p:spTree>
+      <p:nvGrpSpPr>
+        <p:cNvPr id="1" name=""/>
+        <p:cNvGrpSpPr/>
+        <p:nvPr/>
+      </p:nvGrpSpPr>
+      <p:grpSpPr>
+        <a:xfrm>
+          <a:off x="0" y="0"/>
+          <a:ext cx="0" cy="0"/>
+          <a:chOff x="0" y="0"/>
+          <a:chExt cx="0" cy="0"/>
+        </a:xfrm>
+      </p:grpSpPr>
+      <p:sp>
+        <p:nvSpPr>
+          <p:cNvPr id="2" name="Title 1"/>
+          <p:cNvSpPr>
+            <a:spLocks noGrp="1"/>
+          </p:cNvSpPr>
+          <p:nvPr>
+            <p:ph type="title"/>
+          </p:nvPr>
+        </p:nvSpPr>
+        <p:spPr/>
+        <p:txBody>
+          <a:bodyPr/>
+          <a:lstStyle/>
+          <a:p>
+            <a:r>
+              <a:t>Mavericks</a:t>
+            </a:r>
+          </a:p>
+        </p:txBody>
+      </p:sp>
+      <p:sp>
+        <p:nvSpPr>
+          <p:cNvPr id="3" name="Content Placeholder 2"/>
+          <p:cNvSpPr>
+            <a:spLocks noGrp="1"/>
+          </p:cNvSpPr>
+          <p:nvPr>
+            <p:ph idx="1"/>
+          </p:nvPr>
+        </p:nvSpPr>
+        <p:spPr/>
+        <p:txBody>
+          <a:bodyPr/>
+          <a:lstStyle/>
+          <a:p>
+            <a:endParaRPr/>
+          </a:p>
+          <a:p>
+            <a:pPr lvl="1"/>
+            <a:r>
+              <a:t>10,000 internet and web programming class 11 about html and css email to also javascript .</a:t>
+            </a:r>
+          </a:p>
+        </p:txBody>
+      </p:sp>
+    </p:spTree>
+  </p:cSld>
+  <p:clrMapOvr>
+    <a:masterClrMapping/>
+  </p:clrMapOvr>
+</p:sld>
+</file>
+
+<file path=ppt/slides/slide6.xml><?xml version="1.0" encoding="utf-8"?>
+<p:sld xmlns:a="http://schemas.openxmlformats.org/drawingml/2006/main" xmlns:r="http://schemas.openxmlformats.org/officeDocument/2006/relationships" xmlns:p="http://schemas.openxmlformats.org/presentationml/2006/main">
+  <p:cSld>
+    <p:spTree>
+      <p:nvGrpSpPr>
+        <p:cNvPr id="1" name=""/>
+        <p:cNvGrpSpPr/>
+        <p:nvPr/>
+      </p:nvGrpSpPr>
+      <p:grpSpPr>
+        <a:xfrm>
+          <a:off x="0" y="0"/>
+          <a:ext cx="0" cy="0"/>
+          <a:chOff x="0" y="0"/>
+          <a:chExt cx="0" cy="0"/>
+        </a:xfrm>
+      </p:grpSpPr>
+      <p:sp>
+        <p:nvSpPr>
+          <p:cNvPr id="2" name="Title 1"/>
+          <p:cNvSpPr>
+            <a:spLocks noGrp="1"/>
+          </p:cNvSpPr>
+          <p:nvPr>
+            <p:ph type="title"/>
+          </p:nvPr>
+        </p:nvSpPr>
+        <p:spPr/>
+        <p:txBody>
+          <a:bodyPr>
+            <a:normAutofit fontScale="90000"/>
+          </a:bodyPr>
+          <a:lstStyle/>
+          <a:p>
+            <a:endParaRPr/>
+          </a:p>
+          <a:p>
+            <a:pPr lvl="1" algn="ctr"/>
+            <a:r>
+              <a:t>image of 8051 microcontroller .</a:t>
+            </a:r>
+          </a:p>
+        </p:txBody>
+      </p:sp>
+      <p:pic>
+        <p:nvPicPr>
+          <p:cNvPr id="3" name="Picture Placeholder 2" descr="00000000.jpg"/>
+          <p:cNvPicPr>
+            <a:picLocks noGrp="1" noChangeAspect="1"/>
+          </p:cNvPicPr>
+          <p:nvPr>
+            <p:ph type="pic" idx="1"/>
+          </p:nvPr>
+        </p:nvPicPr>
+        <p:blipFill>
+          <a:blip r:embed="rId2"/>
+          <a:srcRect/>
+          <a:stretch>
+            <a:fillRect/>
+          </a:stretch>
+        </p:blipFill>
+        <p:spPr/>
+      </p:pic>
+      <p:sp>
+        <p:nvSpPr>
+          <p:cNvPr id="4" name="Text Placeholder 3"/>
+          <p:cNvSpPr>
+            <a:spLocks noGrp="1"/>
+          </p:cNvSpPr>
+          <p:nvPr>
+            <p:ph type="body" sz="half" idx="2"/>
+          </p:nvPr>
+        </p:nvSpPr>
+        <p:spPr/>
+        <p:txBody>
+          <a:bodyPr/>
+          <a:lstStyle/>
+          <a:p>
+            <a:endParaRPr/>
+          </a:p>
+        </p:txBody>
+      </p:sp>
+    </p:spTree>
+  </p:cSld>
+  <p:clrMapOvr>
+    <a:masterClrMapping/>
+  </p:clrMapOvr>
+</p:sld>
+</file>
+
+<file path=ppt/slides/slide7.xml><?xml version="1.0" encoding="utf-8"?>
+<p:sld xmlns:a="http://schemas.openxmlformats.org/drawingml/2006/main" xmlns:r="http://schemas.openxmlformats.org/officeDocument/2006/relationships" xmlns:p="http://schemas.openxmlformats.org/presentationml/2006/main">
+  <p:cSld>
+    <p:spTree>
+      <p:nvGrpSpPr>
+        <p:cNvPr id="1" name=""/>
+        <p:cNvGrpSpPr/>
+        <p:nvPr/>
+      </p:nvGrpSpPr>
+      <p:grpSpPr>
+        <a:xfrm>
+          <a:off x="0" y="0"/>
+          <a:ext cx="0" cy="0"/>
+          <a:chOff x="0" y="0"/>
+          <a:chExt cx="0" cy="0"/>
+        </a:xfrm>
+      </p:grpSpPr>
+      <p:sp>
+        <p:nvSpPr>
+          <p:cNvPr id="2" name="Title 1"/>
+          <p:cNvSpPr>
+            <a:spLocks noGrp="1"/>
+          </p:cNvSpPr>
+          <p:nvPr>
+            <p:ph type="title"/>
+          </p:nvPr>
+        </p:nvSpPr>
+        <p:spPr/>
+        <p:txBody>
+          <a:bodyPr/>
+          <a:lstStyle/>
+          <a:p>
+            <a:endParaRPr/>
+          </a:p>
+        </p:txBody>
+      </p:sp>
+      <p:sp>
+        <p:nvSpPr>
+          <p:cNvPr id="3" name="Content Placeholder 2"/>
+          <p:cNvSpPr>
+            <a:spLocks noGrp="1"/>
+          </p:cNvSpPr>
+          <p:nvPr>
+            <p:ph idx="1"/>
+          </p:nvPr>
+        </p:nvSpPr>
+        <p:spPr/>
+        <p:txBody>
+          <a:bodyPr/>
+          <a:lstStyle/>
+          <a:p>
+            <a:endParaRPr/>
+          </a:p>
+          <a:p>
+            <a:pPr lvl="1"/>
+            <a:r>
+              <a:t>jetson microcontroller .</a:t>
+            </a:r>
+          </a:p>
+        </p:txBody>
+      </p:sp>
+    </p:spTree>
+  </p:cSld>
+  <p:clrMapOvr>
+    <a:masterClrMapping/>
+  </p:clrMapOvr>
+</p:sld>
+</file>
+
+<file path=ppt/slides/slide8.xml><?xml version="1.0" encoding="utf-8"?>
+<p:sld xmlns:a="http://schemas.openxmlformats.org/drawingml/2006/main" xmlns:r="http://schemas.openxmlformats.org/officeDocument/2006/relationships" xmlns:p="http://schemas.openxmlformats.org/presentationml/2006/main">
+  <p:cSld>
+    <p:bg>
+      <p:bgPr>
+        <a:gradFill rotWithShape="1">
+          <a:gsLst>
+            <a:gs pos="0">
+              <a:schemeClr val="lt1">
+                <a:tint val="100000"/>
+                <a:shade val="100000"/>
+                <a:satMod val="130000"/>
+              </a:schemeClr>
+            </a:gs>
+            <a:gs pos="100000">
+              <a:schemeClr val="accent1">
+                <a:tint val="50000"/>
+                <a:shade val="100000"/>
+                <a:satMod val="350000"/>
+              </a:schemeClr>
+            </a:gs>
+          </a:gsLst>
+          <a:lin ang="19200000" scaled="0"/>
+        </a:gradFill>
+        <a:effectLst/>
+      </p:bgPr>
+    </p:bg>
+    <p:spTree>
+      <p:nvGrpSpPr>
+        <p:cNvPr id="1" name=""/>
+        <p:cNvGrpSpPr/>
+        <p:nvPr/>
+      </p:nvGrpSpPr>
+      <p:grpSpPr>
+        <a:xfrm>
+          <a:off x="0" y="0"/>
+          <a:ext cx="0" cy="0"/>
+          <a:chOff x="0" y="0"/>
+          <a:chExt cx="0" cy="0"/>
+        </a:xfrm>
+      </p:grpSpPr>
+      <p:sp>
+        <p:nvSpPr>
+          <p:cNvPr id="2" name="Title 1"/>
+          <p:cNvSpPr>
+            <a:spLocks noGrp="1"/>
+          </p:cNvSpPr>
+          <p:nvPr>
+            <p:ph type="title"/>
+          </p:nvPr>
+        </p:nvSpPr>
+        <p:spPr/>
+        <p:txBody>
+          <a:bodyPr>
+            <a:normAutofit fontScale="90000"/>
+          </a:bodyPr>
+          <a:lstStyle/>
+          <a:p>
+            <a:endParaRPr/>
+          </a:p>
+          <a:p>
+            <a:pPr lvl="1" algn="ctr"/>
+            <a:r>
+              <a:t>image of a microcontroller .</a:t>
+            </a:r>
+          </a:p>
+        </p:txBody>
+      </p:sp>
+      <p:pic>
+        <p:nvPicPr>
+          <p:cNvPr id="3" name="Picture Placeholder 2" descr="00000000.jpg"/>
+          <p:cNvPicPr>
+            <a:picLocks noGrp="1" noChangeAspect="1"/>
+          </p:cNvPicPr>
+          <p:nvPr>
+            <p:ph type="pic" idx="1"/>
+          </p:nvPr>
+        </p:nvPicPr>
+        <p:blipFill>
+          <a:blip r:embed="rId2"/>
+          <a:srcRect/>
+          <a:stretch>
+            <a:fillRect/>
+          </a:stretch>
+        </p:blipFill>
+        <p:spPr/>
+      </p:pic>
+      <p:sp>
+        <p:nvSpPr>
+          <p:cNvPr id="4" name="Text Placeholder 3"/>
+          <p:cNvSpPr>
+            <a:spLocks noGrp="1"/>
+          </p:cNvSpPr>
+          <p:nvPr>
+            <p:ph type="body" sz="half" idx="2"/>
+          </p:nvPr>
+        </p:nvSpPr>
+        <p:spPr/>
+        <p:txBody>
+          <a:bodyPr/>
+          <a:lstStyle/>
+          <a:p>
+            <a:endParaRPr/>
+          </a:p>
+        </p:txBody>
+      </p:sp>
+    </p:spTree>
+  </p:cSld>
+  <p:clrMapOvr>
+    <a:masterClrMapping/>
+  </p:clrMapOvr>
+</p:sld>
+</file>
+
+<file path=ppt/slides/slide9.xml><?xml version="1.0" encoding="utf-8"?>
+<p:sld xmlns:a="http://schemas.openxmlformats.org/drawingml/2006/main" xmlns:r="http://schemas.openxmlformats.org/officeDocument/2006/relationships" xmlns:p="http://schemas.openxmlformats.org/presentationml/2006/main">
+  <p:cSld>
+    <p:bg>
+      <p:bgPr>
+        <a:gradFill rotWithShape="1">
+          <a:gsLst>
+            <a:gs pos="0">
+              <a:schemeClr val="lt1">
+                <a:tint val="100000"/>
+                <a:shade val="100000"/>
+                <a:satMod val="130000"/>
+              </a:schemeClr>
+            </a:gs>
+            <a:gs pos="100000">
+              <a:schemeClr val="accent1">
+                <a:tint val="50000"/>
+                <a:shade val="100000"/>
+                <a:satMod val="350000"/>
+              </a:schemeClr>
+            </a:gs>
+          </a:gsLst>
+          <a:lin ang="19200000" scaled="0"/>
+        </a:gradFill>
+        <a:effectLst/>
+      </p:bgPr>
+    </p:bg>
+    <p:spTree>
+      <p:nvGrpSpPr>
+        <p:cNvPr id="1" name=""/>
+        <p:cNvGrpSpPr/>
+        <p:nvPr/>
+      </p:nvGrpSpPr>
+      <p:grpSpPr>
+        <a:xfrm>
+          <a:off x="0" y="0"/>
+          <a:ext cx="0" cy="0"/>
+          <a:chOff x="0" y="0"/>
+          <a:chExt cx="0" cy="0"/>
+        </a:xfrm>
+      </p:grpSpPr>
+      <p:sp>
+        <p:nvSpPr>
+          <p:cNvPr id="2" name="Title 1"/>
+          <p:cNvSpPr>
+            <a:spLocks noGrp="1"/>
+          </p:cNvSpPr>
+          <p:nvPr>
+            <p:ph type="title"/>
+          </p:nvPr>
+        </p:nvSpPr>
+        <p:spPr/>
+        <p:txBody>
+          <a:bodyPr>
+            <a:normAutofit fontScale="90000"/>
+          </a:bodyPr>
+          <a:lstStyle/>
+          <a:p>
+            <a:endParaRPr/>
+          </a:p>
+          <a:p>
+            <a:pPr lvl="1" algn="ctr"/>
+            <a:r>
+              <a:t>image of a tree .</a:t>
+            </a:r>
+          </a:p>
+        </p:txBody>
+      </p:sp>
+      <p:pic>
+        <p:nvPicPr>
+          <p:cNvPr id="3" name="Picture Placeholder 2" descr="00000000.jpg"/>
+          <p:cNvPicPr>
+            <a:picLocks noGrp="1" noChangeAspect="1"/>
+          </p:cNvPicPr>
+          <p:nvPr>
+            <p:ph type="pic" idx="1"/>
+          </p:nvPr>
+        </p:nvPicPr>
+        <p:blipFill>
+          <a:blip r:embed="rId2"/>
+          <a:srcRect/>
+          <a:stretch>
+            <a:fillRect/>
+          </a:stretch>
+        </p:blipFill>
+        <p:spPr/>
+      </p:pic>
+      <p:sp>
+        <p:nvSpPr>
+          <p:cNvPr id="4" name="Text Placeholder 3"/>
+          <p:cNvSpPr>
+            <a:spLocks noGrp="1"/>
+          </p:cNvSpPr>
+          <p:nvPr>
+            <p:ph type="body" sz="half" idx="2"/>
+          </p:nvPr>
+        </p:nvSpPr>
+        <p:spPr/>
+        <p:txBody>
+          <a:bodyPr/>
+          <a:lstStyle/>
+          <a:p>
+            <a:endParaRPr/>
           </a:p>
         </p:txBody>
       </p:sp>

--- a/testppt3.pptx
+++ b/testppt3.pptx
@@ -26,6 +26,7 @@
     <p:sldId id="284" r:id="rId24"/>
     <p:sldId id="285" r:id="rId25"/>
     <p:sldId id="286" r:id="rId26"/>
+    <p:sldId id="287" r:id="rId27"/>
   </p:sldIdLst>
   <p:sldSz cx="9144000" cy="6858000" type="screen4x3"/>
   <p:notesSz cx="6858000" cy="9144000"/>
@@ -4412,6 +4413,114 @@
 </file>
 
 <file path=ppt/slides/slide21.xml><?xml version="1.0" encoding="utf-8"?>
+<p:sld xmlns:a="http://schemas.openxmlformats.org/drawingml/2006/main" xmlns:p="http://schemas.openxmlformats.org/presentationml/2006/main" xmlns:r="http://schemas.openxmlformats.org/officeDocument/2006/relationships">
+  <p:cSld>
+    <p:bg>
+      <p:bgPr>
+        <a:gradFill rotWithShape="1">
+          <a:gsLst>
+            <a:gs pos="0">
+              <a:schemeClr val="lt1">
+                <a:tint val="100000"/>
+                <a:shade val="100000"/>
+                <a:satMod val="130000"/>
+              </a:schemeClr>
+            </a:gs>
+            <a:gs pos="100000">
+              <a:schemeClr val="accent1">
+                <a:tint val="50000"/>
+                <a:shade val="100000"/>
+                <a:satMod val="350000"/>
+              </a:schemeClr>
+            </a:gs>
+          </a:gsLst>
+          <a:lin scaled="0" ang="19200000"/>
+        </a:gradFill>
+        <a:effectLst/>
+      </p:bgPr>
+    </p:bg>
+    <p:spTree>
+      <p:nvGrpSpPr>
+        <p:cNvPr id="1" name=""/>
+        <p:cNvGrpSpPr/>
+        <p:nvPr/>
+      </p:nvGrpSpPr>
+      <p:grpSpPr/>
+      <p:sp>
+        <p:nvSpPr>
+          <p:cNvPr id="2" name="Title 1"/>
+          <p:cNvSpPr>
+            <a:spLocks noGrp="1"/>
+          </p:cNvSpPr>
+          <p:nvPr>
+            <p:ph type="title"/>
+          </p:nvPr>
+        </p:nvSpPr>
+        <p:spPr/>
+        <p:txBody>
+          <a:bodyPr/>
+          <a:lstStyle/>
+          <a:p>
+            <a:r>
+              <a:t>Keywords</a:t>
+            </a:r>
+          </a:p>
+        </p:txBody>
+      </p:sp>
+      <p:sp>
+        <p:nvSpPr>
+          <p:cNvPr id="3" name="Content Placeholder 2"/>
+          <p:cNvSpPr>
+            <a:spLocks noGrp="1"/>
+          </p:cNvSpPr>
+          <p:nvPr>
+            <p:ph idx="1"/>
+          </p:nvPr>
+        </p:nvSpPr>
+        <p:spPr/>
+        <p:txBody>
+          <a:bodyPr/>
+          <a:lstStyle/>
+          <a:p>
+            <a:r>
+              <a:rPr>
+                <a:hlinkClick r:id="rId2"/>
+              </a:rPr>
+              <a:t>image
+</a:t>
+            </a:r>
+            <a:r>
+              <a:rPr>
+                <a:hlinkClick r:id="rId3"/>
+              </a:rPr>
+              <a:t>microcontroller
+</a:t>
+            </a:r>
+            <a:r>
+              <a:rPr>
+                <a:hlinkClick r:id="rId4"/>
+              </a:rPr>
+              <a:t>8051
+</a:t>
+            </a:r>
+            <a:r>
+              <a:rPr>
+                <a:hlinkClick r:id="rId5"/>
+              </a:rPr>
+              <a:t>ha</a:t>
+            </a:r>
+          </a:p>
+        </p:txBody>
+      </p:sp>
+    </p:spTree>
+  </p:cSld>
+  <p:clrMapOvr>
+    <a:masterClrMapping/>
+  </p:clrMapOvr>
+</p:sld>
+</file>
+
+<file path=ppt/slides/slide22.xml><?xml version="1.0" encoding="utf-8"?>
 <p:sld xmlns:a="http://schemas.openxmlformats.org/drawingml/2006/main" xmlns:p="http://schemas.openxmlformats.org/presentationml/2006/main" xmlns:r="http://schemas.openxmlformats.org/officeDocument/2006/relationships">
   <p:cSld>
     <p:bg>

--- a/testppt3.pptx
+++ b/testppt3.pptx
@@ -21,11 +21,11 @@
     <p:sldId id="279" r:id="rId15"/>
     <p:sldId id="280" r:id="rId16"/>
     <p:sldId id="281" r:id="rId17"/>
-    <p:sldId id="282" r:id="rId22"/>
-    <p:sldId id="283" r:id="rId23"/>
-    <p:sldId id="284" r:id="rId24"/>
-    <p:sldId id="285" r:id="rId25"/>
-    <p:sldId id="286" r:id="rId26"/>
+    <p:sldId id="282" r:id="rId18"/>
+    <p:sldId id="283" r:id="rId19"/>
+    <p:sldId id="284" r:id="rId20"/>
+    <p:sldId id="285" r:id="rId21"/>
+    <p:sldId id="286" r:id="rId22"/>
   </p:sldIdLst>
   <p:sldSz cx="9144000" cy="6858000" type="screen4x3"/>
   <p:notesSz cx="6858000" cy="9144000"/>
@@ -126,7 +126,7 @@
   </p:defaultTextStyle>
   <p:extLst>
     <p:ext uri="{EFAFB233-063F-42B5-8137-9DF3F51BA10A}">
-      <p15:sldGuideLst xmlns:p15="http://schemas.microsoft.com/office/powerpoint/2012/main" xmlns="">
+      <p15:sldGuideLst xmlns="" xmlns:p15="http://schemas.microsoft.com/office/powerpoint/2012/main">
         <p15:guide id="1" orient="horz" pos="2160">
           <p15:clr>
             <a:srgbClr val="A4A3A4"/>
@@ -322,7 +322,7 @@
           <a:p>
             <a:fld id="{5BCAD085-E8A6-8845-BD4E-CB4CCA059FC4}" type="datetimeFigureOut">
               <a:rPr lang="en-US" smtClean="0"/>
-              <a:t>9/22/2019</a:t>
+              <a:t>4/16/2020</a:t>
             </a:fld>
             <a:endParaRPr lang="en-US"/>
           </a:p>
@@ -490,7 +490,7 @@
           <a:p>
             <a:fld id="{5BCAD085-E8A6-8845-BD4E-CB4CCA059FC4}" type="datetimeFigureOut">
               <a:rPr lang="en-US" smtClean="0"/>
-              <a:t>9/22/2019</a:t>
+              <a:t>4/16/2020</a:t>
             </a:fld>
             <a:endParaRPr lang="en-US"/>
           </a:p>
@@ -668,7 +668,7 @@
           <a:p>
             <a:fld id="{5BCAD085-E8A6-8845-BD4E-CB4CCA059FC4}" type="datetimeFigureOut">
               <a:rPr lang="en-US" smtClean="0"/>
-              <a:t>9/22/2019</a:t>
+              <a:t>4/16/2020</a:t>
             </a:fld>
             <a:endParaRPr lang="en-US"/>
           </a:p>
@@ -836,7 +836,7 @@
           <a:p>
             <a:fld id="{5BCAD085-E8A6-8845-BD4E-CB4CCA059FC4}" type="datetimeFigureOut">
               <a:rPr lang="en-US" smtClean="0"/>
-              <a:t>9/22/2019</a:t>
+              <a:t>4/16/2020</a:t>
             </a:fld>
             <a:endParaRPr lang="en-US"/>
           </a:p>
@@ -1081,7 +1081,7 @@
           <a:p>
             <a:fld id="{5BCAD085-E8A6-8845-BD4E-CB4CCA059FC4}" type="datetimeFigureOut">
               <a:rPr lang="en-US" smtClean="0"/>
-              <a:t>9/22/2019</a:t>
+              <a:t>4/16/2020</a:t>
             </a:fld>
             <a:endParaRPr lang="en-US"/>
           </a:p>
@@ -1366,7 +1366,7 @@
           <a:p>
             <a:fld id="{5BCAD085-E8A6-8845-BD4E-CB4CCA059FC4}" type="datetimeFigureOut">
               <a:rPr lang="en-US" smtClean="0"/>
-              <a:t>9/22/2019</a:t>
+              <a:t>4/16/2020</a:t>
             </a:fld>
             <a:endParaRPr lang="en-US"/>
           </a:p>
@@ -1785,7 +1785,7 @@
           <a:p>
             <a:fld id="{5BCAD085-E8A6-8845-BD4E-CB4CCA059FC4}" type="datetimeFigureOut">
               <a:rPr lang="en-US" smtClean="0"/>
-              <a:t>9/22/2019</a:t>
+              <a:t>4/16/2020</a:t>
             </a:fld>
             <a:endParaRPr lang="en-US"/>
           </a:p>
@@ -1902,7 +1902,7 @@
           <a:p>
             <a:fld id="{5BCAD085-E8A6-8845-BD4E-CB4CCA059FC4}" type="datetimeFigureOut">
               <a:rPr lang="en-US" smtClean="0"/>
-              <a:t>9/22/2019</a:t>
+              <a:t>4/16/2020</a:t>
             </a:fld>
             <a:endParaRPr lang="en-US"/>
           </a:p>
@@ -1997,7 +1997,7 @@
           <a:p>
             <a:fld id="{5BCAD085-E8A6-8845-BD4E-CB4CCA059FC4}" type="datetimeFigureOut">
               <a:rPr lang="en-US" smtClean="0"/>
-              <a:t>9/22/2019</a:t>
+              <a:t>4/16/2020</a:t>
             </a:fld>
             <a:endParaRPr lang="en-US"/>
           </a:p>
@@ -2272,7 +2272,7 @@
           <a:p>
             <a:fld id="{5BCAD085-E8A6-8845-BD4E-CB4CCA059FC4}" type="datetimeFigureOut">
               <a:rPr lang="en-US" smtClean="0"/>
-              <a:t>9/22/2019</a:t>
+              <a:t>4/16/2020</a:t>
             </a:fld>
             <a:endParaRPr lang="en-US"/>
           </a:p>
@@ -2524,7 +2524,7 @@
           <a:p>
             <a:fld id="{5BCAD085-E8A6-8845-BD4E-CB4CCA059FC4}" type="datetimeFigureOut">
               <a:rPr lang="en-US" smtClean="0"/>
-              <a:t>9/22/2019</a:t>
+              <a:t>4/16/2020</a:t>
             </a:fld>
             <a:endParaRPr lang="en-US"/>
           </a:p>
@@ -2735,7 +2735,7 @@
           <a:p>
             <a:fld id="{5BCAD085-E8A6-8845-BD4E-CB4CCA059FC4}" type="datetimeFigureOut">
               <a:rPr lang="en-US" smtClean="0"/>
-              <a:t>9/22/2019</a:t>
+              <a:t>4/16/2020</a:t>
             </a:fld>
             <a:endParaRPr lang="en-US"/>
           </a:p>
@@ -3930,7 +3930,7 @@
 </file>
 
 <file path=ppt/slides/slide17.xml><?xml version="1.0" encoding="utf-8"?>
-<p:sld xmlns:a="http://schemas.openxmlformats.org/drawingml/2006/main" xmlns:p="http://schemas.openxmlformats.org/presentationml/2006/main" xmlns:r="http://schemas.openxmlformats.org/officeDocument/2006/relationships">
+<p:sld xmlns:a="http://schemas.openxmlformats.org/drawingml/2006/main" xmlns:r="http://schemas.openxmlformats.org/officeDocument/2006/relationships" xmlns:p="http://schemas.openxmlformats.org/presentationml/2006/main">
   <p:cSld>
     <p:bg>
       <p:bgPr>
@@ -3951,7 +3951,7 @@
               </a:schemeClr>
             </a:gs>
           </a:gsLst>
-          <a:lin scaled="0" ang="19200000"/>
+          <a:lin ang="19200000" scaled="0"/>
         </a:gradFill>
         <a:effectLst/>
       </p:bgPr>
@@ -3962,7 +3962,14 @@
         <p:cNvGrpSpPr/>
         <p:nvPr/>
       </p:nvGrpSpPr>
-      <p:grpSpPr/>
+      <p:grpSpPr>
+        <a:xfrm>
+          <a:off x="0" y="0"/>
+          <a:ext cx="0" cy="0"/>
+          <a:chOff x="0" y="0"/>
+          <a:chExt cx="0" cy="0"/>
+        </a:xfrm>
+      </p:grpSpPr>
       <p:sp>
         <p:nvSpPr>
           <p:cNvPr id="2" name="Title 1"/>
@@ -3977,7 +3984,9 @@
         <p:txBody>
           <a:bodyPr/>
           <a:lstStyle/>
-          <a:p/>
+          <a:p>
+            <a:endParaRPr/>
+          </a:p>
           <a:p>
             <a:pPr lvl="1" algn="ctr"/>
             <a:r>
@@ -4012,14 +4021,16 @@
             <a:spLocks noGrp="1"/>
           </p:cNvSpPr>
           <p:nvPr>
-            <p:ph type="body" idx="2" sz="half"/>
-          </p:nvPr>
-        </p:nvSpPr>
-        <p:spPr/>
-        <p:txBody>
-          <a:bodyPr/>
-          <a:lstStyle/>
-          <a:p/>
+            <p:ph type="body" sz="half" idx="2"/>
+          </p:nvPr>
+        </p:nvSpPr>
+        <p:spPr/>
+        <p:txBody>
+          <a:bodyPr/>
+          <a:lstStyle/>
+          <a:p>
+            <a:endParaRPr/>
+          </a:p>
         </p:txBody>
       </p:sp>
     </p:spTree>
@@ -4031,7 +4042,7 @@
 </file>
 
 <file path=ppt/slides/slide18.xml><?xml version="1.0" encoding="utf-8"?>
-<p:sld xmlns:a="http://schemas.openxmlformats.org/drawingml/2006/main" xmlns:p="http://schemas.openxmlformats.org/presentationml/2006/main" xmlns:r="http://schemas.openxmlformats.org/officeDocument/2006/relationships">
+<p:sld xmlns:a="http://schemas.openxmlformats.org/drawingml/2006/main" xmlns:r="http://schemas.openxmlformats.org/officeDocument/2006/relationships" xmlns:p="http://schemas.openxmlformats.org/presentationml/2006/main">
   <p:cSld>
     <p:bg>
       <p:bgPr>
@@ -4052,7 +4063,7 @@
               </a:schemeClr>
             </a:gs>
           </a:gsLst>
-          <a:lin scaled="0" ang="19200000"/>
+          <a:lin ang="19200000" scaled="0"/>
         </a:gradFill>
         <a:effectLst/>
       </p:bgPr>
@@ -4063,7 +4074,14 @@
         <p:cNvGrpSpPr/>
         <p:nvPr/>
       </p:nvGrpSpPr>
-      <p:grpSpPr/>
+      <p:grpSpPr>
+        <a:xfrm>
+          <a:off x="0" y="0"/>
+          <a:ext cx="0" cy="0"/>
+          <a:chOff x="0" y="0"/>
+          <a:chExt cx="0" cy="0"/>
+        </a:xfrm>
+      </p:grpSpPr>
       <p:sp>
         <p:nvSpPr>
           <p:cNvPr id="2" name="Title 1"/>
@@ -4139,7 +4157,7 @@
 </file>
 
 <file path=ppt/slides/slide19.xml><?xml version="1.0" encoding="utf-8"?>
-<p:sld xmlns:a="http://schemas.openxmlformats.org/drawingml/2006/main" xmlns:p="http://schemas.openxmlformats.org/presentationml/2006/main" xmlns:r="http://schemas.openxmlformats.org/officeDocument/2006/relationships">
+<p:sld xmlns:a="http://schemas.openxmlformats.org/drawingml/2006/main" xmlns:r="http://schemas.openxmlformats.org/officeDocument/2006/relationships" xmlns:p="http://schemas.openxmlformats.org/presentationml/2006/main">
   <p:cSld>
     <p:bg>
       <p:bgPr>
@@ -4160,7 +4178,7 @@
               </a:schemeClr>
             </a:gs>
           </a:gsLst>
-          <a:lin scaled="0" ang="19200000"/>
+          <a:lin ang="19200000" scaled="0"/>
         </a:gradFill>
         <a:effectLst/>
       </p:bgPr>
@@ -4171,7 +4189,14 @@
         <p:cNvGrpSpPr/>
         <p:nvPr/>
       </p:nvGrpSpPr>
-      <p:grpSpPr/>
+      <p:grpSpPr>
+        <a:xfrm>
+          <a:off x="0" y="0"/>
+          <a:ext cx="0" cy="0"/>
+          <a:chOff x="0" y="0"/>
+          <a:chExt cx="0" cy="0"/>
+        </a:xfrm>
+      </p:grpSpPr>
       <p:sp>
         <p:nvSpPr>
           <p:cNvPr id="2" name="Title 1"/>
@@ -4184,9 +4209,13 @@
         </p:nvSpPr>
         <p:spPr/>
         <p:txBody>
-          <a:bodyPr/>
-          <a:lstStyle/>
-          <a:p/>
+          <a:bodyPr>
+            <a:normAutofit fontScale="90000"/>
+          </a:bodyPr>
+          <a:lstStyle/>
+          <a:p>
+            <a:endParaRPr/>
+          </a:p>
           <a:p>
             <a:pPr lvl="1" algn="ctr"/>
             <a:r>
@@ -4221,14 +4250,16 @@
             <a:spLocks noGrp="1"/>
           </p:cNvSpPr>
           <p:nvPr>
-            <p:ph type="body" idx="2" sz="half"/>
-          </p:nvPr>
-        </p:nvSpPr>
-        <p:spPr/>
-        <p:txBody>
-          <a:bodyPr/>
-          <a:lstStyle/>
-          <a:p/>
+            <p:ph type="body" sz="half" idx="2"/>
+          </p:nvPr>
+        </p:nvSpPr>
+        <p:spPr/>
+        <p:txBody>
+          <a:bodyPr/>
+          <a:lstStyle/>
+          <a:p>
+            <a:endParaRPr/>
+          </a:p>
         </p:txBody>
       </p:sp>
     </p:spTree>
@@ -4320,7 +4351,7 @@
 </file>
 
 <file path=ppt/slides/slide20.xml><?xml version="1.0" encoding="utf-8"?>
-<p:sld xmlns:a="http://schemas.openxmlformats.org/drawingml/2006/main" xmlns:p="http://schemas.openxmlformats.org/presentationml/2006/main" xmlns:r="http://schemas.openxmlformats.org/officeDocument/2006/relationships">
+<p:sld xmlns:a="http://schemas.openxmlformats.org/drawingml/2006/main" xmlns:r="http://schemas.openxmlformats.org/officeDocument/2006/relationships" xmlns:p="http://schemas.openxmlformats.org/presentationml/2006/main">
   <p:cSld>
     <p:bg>
       <p:bgPr>
@@ -4341,7 +4372,7 @@
               </a:schemeClr>
             </a:gs>
           </a:gsLst>
-          <a:lin scaled="0" ang="19200000"/>
+          <a:lin ang="19200000" scaled="0"/>
         </a:gradFill>
         <a:effectLst/>
       </p:bgPr>
@@ -4352,7 +4383,14 @@
         <p:cNvGrpSpPr/>
         <p:nvPr/>
       </p:nvGrpSpPr>
-      <p:grpSpPr/>
+      <p:grpSpPr>
+        <a:xfrm>
+          <a:off x="0" y="0"/>
+          <a:ext cx="0" cy="0"/>
+          <a:chOff x="0" y="0"/>
+          <a:chExt cx="0" cy="0"/>
+        </a:xfrm>
+      </p:grpSpPr>
       <p:sp>
         <p:nvSpPr>
           <p:cNvPr id="2" name="Title 1"/>
@@ -4388,7 +4426,9 @@
         <p:txBody>
           <a:bodyPr/>
           <a:lstStyle/>
-          <a:p/>
+          <a:p>
+            <a:endParaRPr/>
+          </a:p>
           <a:p>
             <a:pPr lvl="1"/>
             <a:r>
@@ -4412,7 +4452,7 @@
 </file>
 
 <file path=ppt/slides/slide21.xml><?xml version="1.0" encoding="utf-8"?>
-<p:sld xmlns:a="http://schemas.openxmlformats.org/drawingml/2006/main" xmlns:p="http://schemas.openxmlformats.org/presentationml/2006/main" xmlns:r="http://schemas.openxmlformats.org/officeDocument/2006/relationships">
+<p:sld xmlns:a="http://schemas.openxmlformats.org/drawingml/2006/main" xmlns:r="http://schemas.openxmlformats.org/officeDocument/2006/relationships" xmlns:p="http://schemas.openxmlformats.org/presentationml/2006/main">
   <p:cSld>
     <p:bg>
       <p:bgPr>
@@ -4433,7 +4473,7 @@
               </a:schemeClr>
             </a:gs>
           </a:gsLst>
-          <a:lin scaled="0" ang="19200000"/>
+          <a:lin ang="19200000" scaled="0"/>
         </a:gradFill>
         <a:effectLst/>
       </p:bgPr>
@@ -4444,7 +4484,14 @@
         <p:cNvGrpSpPr/>
         <p:nvPr/>
       </p:nvGrpSpPr>
-      <p:grpSpPr/>
+      <p:grpSpPr>
+        <a:xfrm>
+          <a:off x="0" y="0"/>
+          <a:ext cx="0" cy="0"/>
+          <a:chOff x="0" y="0"/>
+          <a:chExt cx="0" cy="0"/>
+        </a:xfrm>
+      </p:grpSpPr>
       <p:sp>
         <p:nvSpPr>
           <p:cNvPr id="2" name="Title 1"/>
